--- a/workflow.pptx
+++ b/workflow.pptx
@@ -104,6 +104,11 @@
       </a:defRPr>
     </a:lvl9pPr>
   </p:defaultTextStyle>
+  <p:extLst>
+    <p:ext uri="{EFAFB233-063F-42B5-8137-9DF3F51BA10A}">
+      <p15:sldGuideLst xmlns:p15="http://schemas.microsoft.com/office/powerpoint/2012/main"/>
+    </p:ext>
+  </p:extLst>
 </p:presentation>
 </file>
 
@@ -4058,6 +4063,17 @@
           <a:lstStyle/>
           <a:p>
             <a:r>
+              <a:rPr lang="it-IT" sz="1200" b="1" dirty="0">
+                <a:solidFill>
+                  <a:srgbClr val="188193"/>
+                </a:solidFill>
+                <a:effectLst/>
+                <a:latin typeface="Cambria" panose="02040503050406030204" pitchFamily="18" charset="0"/>
+                <a:ea typeface="Cambria" panose="02040503050406030204" pitchFamily="18" charset="0"/>
+              </a:rPr>
+              <a:t>Stakeholder-</a:t>
+            </a:r>
+            <a:r>
               <a:rPr lang="it-IT" sz="1200" b="1" dirty="0" err="1">
                 <a:solidFill>
                   <a:srgbClr val="188193"/>
@@ -4066,7 +4082,7 @@
                 <a:latin typeface="Cambria" panose="02040503050406030204" pitchFamily="18" charset="0"/>
                 <a:ea typeface="Cambria" panose="02040503050406030204" pitchFamily="18" charset="0"/>
               </a:rPr>
-              <a:t>Stakehold-driven</a:t>
+              <a:t>driven</a:t>
             </a:r>
             <a:r>
               <a:rPr lang="it-IT" sz="1200" b="1" dirty="0">

--- a/workflow.pptx
+++ b/workflow.pptx
@@ -261,7 +261,7 @@
           <a:p>
             <a:fld id="{FB1F6A99-CCF9-4E7C-B9A9-349EEEE5A091}" type="datetimeFigureOut">
               <a:rPr lang="it-IT" smtClean="0"/>
-              <a:t>07/11/2022</a:t>
+              <a:t>21/11/2022</a:t>
             </a:fld>
             <a:endParaRPr lang="it-IT"/>
           </a:p>
@@ -461,7 +461,7 @@
           <a:p>
             <a:fld id="{FB1F6A99-CCF9-4E7C-B9A9-349EEEE5A091}" type="datetimeFigureOut">
               <a:rPr lang="it-IT" smtClean="0"/>
-              <a:t>07/11/2022</a:t>
+              <a:t>21/11/2022</a:t>
             </a:fld>
             <a:endParaRPr lang="it-IT"/>
           </a:p>
@@ -671,7 +671,7 @@
           <a:p>
             <a:fld id="{FB1F6A99-CCF9-4E7C-B9A9-349EEEE5A091}" type="datetimeFigureOut">
               <a:rPr lang="it-IT" smtClean="0"/>
-              <a:t>07/11/2022</a:t>
+              <a:t>21/11/2022</a:t>
             </a:fld>
             <a:endParaRPr lang="it-IT"/>
           </a:p>
@@ -871,7 +871,7 @@
           <a:p>
             <a:fld id="{FB1F6A99-CCF9-4E7C-B9A9-349EEEE5A091}" type="datetimeFigureOut">
               <a:rPr lang="it-IT" smtClean="0"/>
-              <a:t>07/11/2022</a:t>
+              <a:t>21/11/2022</a:t>
             </a:fld>
             <a:endParaRPr lang="it-IT"/>
           </a:p>
@@ -1147,7 +1147,7 @@
           <a:p>
             <a:fld id="{FB1F6A99-CCF9-4E7C-B9A9-349EEEE5A091}" type="datetimeFigureOut">
               <a:rPr lang="it-IT" smtClean="0"/>
-              <a:t>07/11/2022</a:t>
+              <a:t>21/11/2022</a:t>
             </a:fld>
             <a:endParaRPr lang="it-IT"/>
           </a:p>
@@ -1415,7 +1415,7 @@
           <a:p>
             <a:fld id="{FB1F6A99-CCF9-4E7C-B9A9-349EEEE5A091}" type="datetimeFigureOut">
               <a:rPr lang="it-IT" smtClean="0"/>
-              <a:t>07/11/2022</a:t>
+              <a:t>21/11/2022</a:t>
             </a:fld>
             <a:endParaRPr lang="it-IT"/>
           </a:p>
@@ -1830,7 +1830,7 @@
           <a:p>
             <a:fld id="{FB1F6A99-CCF9-4E7C-B9A9-349EEEE5A091}" type="datetimeFigureOut">
               <a:rPr lang="it-IT" smtClean="0"/>
-              <a:t>07/11/2022</a:t>
+              <a:t>21/11/2022</a:t>
             </a:fld>
             <a:endParaRPr lang="it-IT"/>
           </a:p>
@@ -1972,7 +1972,7 @@
           <a:p>
             <a:fld id="{FB1F6A99-CCF9-4E7C-B9A9-349EEEE5A091}" type="datetimeFigureOut">
               <a:rPr lang="it-IT" smtClean="0"/>
-              <a:t>07/11/2022</a:t>
+              <a:t>21/11/2022</a:t>
             </a:fld>
             <a:endParaRPr lang="it-IT"/>
           </a:p>
@@ -2085,7 +2085,7 @@
           <a:p>
             <a:fld id="{FB1F6A99-CCF9-4E7C-B9A9-349EEEE5A091}" type="datetimeFigureOut">
               <a:rPr lang="it-IT" smtClean="0"/>
-              <a:t>07/11/2022</a:t>
+              <a:t>21/11/2022</a:t>
             </a:fld>
             <a:endParaRPr lang="it-IT"/>
           </a:p>
@@ -2398,7 +2398,7 @@
           <a:p>
             <a:fld id="{FB1F6A99-CCF9-4E7C-B9A9-349EEEE5A091}" type="datetimeFigureOut">
               <a:rPr lang="it-IT" smtClean="0"/>
-              <a:t>07/11/2022</a:t>
+              <a:t>21/11/2022</a:t>
             </a:fld>
             <a:endParaRPr lang="it-IT"/>
           </a:p>
@@ -2687,7 +2687,7 @@
           <a:p>
             <a:fld id="{FB1F6A99-CCF9-4E7C-B9A9-349EEEE5A091}" type="datetimeFigureOut">
               <a:rPr lang="it-IT" smtClean="0"/>
-              <a:t>07/11/2022</a:t>
+              <a:t>21/11/2022</a:t>
             </a:fld>
             <a:endParaRPr lang="it-IT"/>
           </a:p>
@@ -2930,7 +2930,7 @@
           <a:p>
             <a:fld id="{FB1F6A99-CCF9-4E7C-B9A9-349EEEE5A091}" type="datetimeFigureOut">
               <a:rPr lang="it-IT" smtClean="0"/>
-              <a:t>07/11/2022</a:t>
+              <a:t>21/11/2022</a:t>
             </a:fld>
             <a:endParaRPr lang="it-IT"/>
           </a:p>
@@ -3361,8 +3361,8 @@
         </p:nvSpPr>
         <p:spPr>
           <a:xfrm>
-            <a:off x="827703" y="345038"/>
-            <a:ext cx="4957278" cy="1343803"/>
+            <a:off x="639854" y="350955"/>
+            <a:ext cx="5602332" cy="2112333"/>
           </a:xfrm>
           <a:prstGeom prst="rect">
             <a:avLst/>
@@ -3397,16 +3397,6 @@
           <a:lstStyle/>
           <a:p>
             <a:r>
-              <a:rPr lang="it-IT" sz="1200" b="1" dirty="0" err="1">
-                <a:solidFill>
-                  <a:srgbClr val="188193"/>
-                </a:solidFill>
-                <a:latin typeface="Cambria" panose="02040503050406030204" pitchFamily="18" charset="0"/>
-                <a:ea typeface="Cambria" panose="02040503050406030204" pitchFamily="18" charset="0"/>
-              </a:rPr>
-              <a:t>Understanding</a:t>
-            </a:r>
-            <a:r>
               <a:rPr lang="it-IT" sz="1200" b="1" dirty="0">
                 <a:solidFill>
                   <a:srgbClr val="188193"/>
@@ -3414,27 +3404,7 @@
                 <a:latin typeface="Cambria" panose="02040503050406030204" pitchFamily="18" charset="0"/>
                 <a:ea typeface="Cambria" panose="02040503050406030204" pitchFamily="18" charset="0"/>
               </a:rPr>
-              <a:t> the </a:t>
-            </a:r>
-            <a:r>
-              <a:rPr lang="it-IT" sz="1200" b="1" dirty="0" err="1">
-                <a:solidFill>
-                  <a:srgbClr val="188193"/>
-                </a:solidFill>
-                <a:latin typeface="Cambria" panose="02040503050406030204" pitchFamily="18" charset="0"/>
-                <a:ea typeface="Cambria" panose="02040503050406030204" pitchFamily="18" charset="0"/>
-              </a:rPr>
-              <a:t>problem</a:t>
-            </a:r>
-            <a:r>
-              <a:rPr lang="it-IT" sz="1200" b="1" dirty="0">
-                <a:solidFill>
-                  <a:srgbClr val="188193"/>
-                </a:solidFill>
-                <a:latin typeface="Cambria" panose="02040503050406030204" pitchFamily="18" charset="0"/>
-                <a:ea typeface="Cambria" panose="02040503050406030204" pitchFamily="18" charset="0"/>
-              </a:rPr>
-              <a:t> world</a:t>
+              <a:t>Background study</a:t>
             </a:r>
           </a:p>
         </p:txBody>
@@ -3453,7 +3423,7 @@
         </p:nvSpPr>
         <p:spPr>
           <a:xfrm>
-            <a:off x="1124730" y="734980"/>
+            <a:off x="1294632" y="805877"/>
             <a:ext cx="2015021" cy="563920"/>
           </a:xfrm>
           <a:prstGeom prst="rect">
@@ -3490,6 +3460,16 @@
           <a:p>
             <a:pPr algn="ctr"/>
             <a:r>
+              <a:rPr lang="it-IT" sz="1200" dirty="0">
+                <a:solidFill>
+                  <a:srgbClr val="35948E"/>
+                </a:solidFill>
+                <a:latin typeface="Cambria" panose="02040503050406030204" pitchFamily="18" charset="0"/>
+                <a:ea typeface="Cambria" panose="02040503050406030204" pitchFamily="18" charset="0"/>
+              </a:rPr>
+              <a:t>Competitor </a:t>
+            </a:r>
+            <a:r>
               <a:rPr lang="it-IT" sz="1200" dirty="0" err="1">
                 <a:solidFill>
                   <a:srgbClr val="35948E"/>
@@ -3497,27 +3477,7 @@
                 <a:latin typeface="Cambria" panose="02040503050406030204" pitchFamily="18" charset="0"/>
                 <a:ea typeface="Cambria" panose="02040503050406030204" pitchFamily="18" charset="0"/>
               </a:rPr>
-              <a:t>Stackeholder</a:t>
-            </a:r>
-            <a:r>
-              <a:rPr lang="it-IT" sz="1200" dirty="0">
-                <a:solidFill>
-                  <a:srgbClr val="35948E"/>
-                </a:solidFill>
-                <a:latin typeface="Cambria" panose="02040503050406030204" pitchFamily="18" charset="0"/>
-                <a:ea typeface="Cambria" panose="02040503050406030204" pitchFamily="18" charset="0"/>
-              </a:rPr>
-              <a:t> </a:t>
-            </a:r>
-            <a:r>
-              <a:rPr lang="it-IT" sz="1200" dirty="0" err="1">
-                <a:solidFill>
-                  <a:srgbClr val="35948E"/>
-                </a:solidFill>
-                <a:latin typeface="Cambria" panose="02040503050406030204" pitchFamily="18" charset="0"/>
-                <a:ea typeface="Cambria" panose="02040503050406030204" pitchFamily="18" charset="0"/>
-              </a:rPr>
-              <a:t>identification</a:t>
+              <a:t>analysis</a:t>
             </a:r>
             <a:endParaRPr lang="it-IT" sz="1200" dirty="0">
               <a:solidFill>
@@ -3543,7 +3503,7 @@
         </p:nvSpPr>
         <p:spPr>
           <a:xfrm>
-            <a:off x="3446303" y="734980"/>
+            <a:off x="1294631" y="1474897"/>
             <a:ext cx="2015021" cy="563920"/>
           </a:xfrm>
           <a:prstGeom prst="rect">
@@ -3580,6 +3540,16 @@
           <a:p>
             <a:pPr algn="ctr"/>
             <a:r>
+              <a:rPr lang="it-IT" sz="1200" dirty="0">
+                <a:solidFill>
+                  <a:srgbClr val="35948E"/>
+                </a:solidFill>
+                <a:latin typeface="Cambria" panose="02040503050406030204" pitchFamily="18" charset="0"/>
+                <a:ea typeface="Cambria" panose="02040503050406030204" pitchFamily="18" charset="0"/>
+              </a:rPr>
+              <a:t>Organization </a:t>
+            </a:r>
+            <a:r>
               <a:rPr lang="it-IT" sz="1200" dirty="0" err="1">
                 <a:solidFill>
                   <a:srgbClr val="35948E"/>
@@ -3587,27 +3557,7 @@
                 <a:latin typeface="Cambria" panose="02040503050406030204" pitchFamily="18" charset="0"/>
                 <a:ea typeface="Cambria" panose="02040503050406030204" pitchFamily="18" charset="0"/>
               </a:rPr>
-              <a:t>Prioritizing</a:t>
-            </a:r>
-            <a:r>
-              <a:rPr lang="it-IT" sz="1200" dirty="0">
-                <a:solidFill>
-                  <a:srgbClr val="35948E"/>
-                </a:solidFill>
-                <a:latin typeface="Cambria" panose="02040503050406030204" pitchFamily="18" charset="0"/>
-                <a:ea typeface="Cambria" panose="02040503050406030204" pitchFamily="18" charset="0"/>
-              </a:rPr>
-              <a:t> </a:t>
-            </a:r>
-            <a:r>
-              <a:rPr lang="it-IT" sz="1200" dirty="0" err="1">
-                <a:solidFill>
-                  <a:srgbClr val="35948E"/>
-                </a:solidFill>
-                <a:latin typeface="Cambria" panose="02040503050406030204" pitchFamily="18" charset="0"/>
-                <a:ea typeface="Cambria" panose="02040503050406030204" pitchFamily="18" charset="0"/>
-              </a:rPr>
-              <a:t>stackholders</a:t>
+              <a:t>analysis</a:t>
             </a:r>
             <a:endParaRPr lang="it-IT" sz="1200" dirty="0">
               <a:solidFill>
@@ -3621,24 +3571,193 @@
       </p:sp>
       <p:cxnSp>
         <p:nvCxnSpPr>
-          <p:cNvPr id="10" name="Straight Arrow Connector 9">
-            <a:extLst>
-              <a:ext uri="{FF2B5EF4-FFF2-40B4-BE49-F238E27FC236}">
-                <a16:creationId xmlns:a16="http://schemas.microsoft.com/office/drawing/2014/main" id="{D7B37E78-36D3-3533-3415-15395BDD5E88}"/>
+          <p:cNvPr id="26" name="Straight Connector 25">
+            <a:extLst>
+              <a:ext uri="{FF2B5EF4-FFF2-40B4-BE49-F238E27FC236}">
+                <a16:creationId xmlns:a16="http://schemas.microsoft.com/office/drawing/2014/main" id="{AC58ED52-F462-175B-4E64-A85C9F27A681}"/>
               </a:ext>
             </a:extLst>
           </p:cNvPr>
           <p:cNvCxnSpPr>
             <a:cxnSpLocks/>
-            <a:stCxn id="7" idx="3"/>
-            <a:endCxn id="8" idx="1"/>
+            <a:endCxn id="4" idx="3"/>
           </p:cNvCxnSpPr>
           <p:nvPr/>
         </p:nvCxnSpPr>
         <p:spPr>
+          <a:xfrm flipH="1">
+            <a:off x="6242186" y="1407122"/>
+            <a:ext cx="323655" cy="0"/>
+          </a:xfrm>
+          <a:prstGeom prst="line">
+            <a:avLst/>
+          </a:prstGeom>
+          <a:ln w="25400">
+            <a:solidFill>
+              <a:schemeClr val="tx1"/>
+            </a:solidFill>
+          </a:ln>
+        </p:spPr>
+        <p:style>
+          <a:lnRef idx="1">
+            <a:schemeClr val="accent1"/>
+          </a:lnRef>
+          <a:fillRef idx="0">
+            <a:schemeClr val="accent1"/>
+          </a:fillRef>
+          <a:effectRef idx="0">
+            <a:schemeClr val="accent1"/>
+          </a:effectRef>
+          <a:fontRef idx="minor">
+            <a:schemeClr val="tx1"/>
+          </a:fontRef>
+        </p:style>
+      </p:cxnSp>
+      <p:cxnSp>
+        <p:nvCxnSpPr>
+          <p:cNvPr id="29" name="Straight Connector 28">
+            <a:extLst>
+              <a:ext uri="{FF2B5EF4-FFF2-40B4-BE49-F238E27FC236}">
+                <a16:creationId xmlns:a16="http://schemas.microsoft.com/office/drawing/2014/main" id="{05833DA2-8EC6-89AA-C02E-883DB514FC98}"/>
+              </a:ext>
+            </a:extLst>
+          </p:cNvPr>
+          <p:cNvCxnSpPr>
+            <a:cxnSpLocks/>
+          </p:cNvCxnSpPr>
+          <p:nvPr/>
+        </p:nvCxnSpPr>
+        <p:spPr>
+          <a:xfrm flipV="1">
+            <a:off x="6565843" y="1407122"/>
+            <a:ext cx="0" cy="1398290"/>
+          </a:xfrm>
+          <a:prstGeom prst="line">
+            <a:avLst/>
+          </a:prstGeom>
+          <a:ln w="25400">
+            <a:solidFill>
+              <a:schemeClr val="tx1"/>
+            </a:solidFill>
+          </a:ln>
+        </p:spPr>
+        <p:style>
+          <a:lnRef idx="1">
+            <a:schemeClr val="accent1"/>
+          </a:lnRef>
+          <a:fillRef idx="0">
+            <a:schemeClr val="accent1"/>
+          </a:fillRef>
+          <a:effectRef idx="0">
+            <a:schemeClr val="accent1"/>
+          </a:effectRef>
+          <a:fontRef idx="minor">
+            <a:schemeClr val="tx1"/>
+          </a:fontRef>
+        </p:style>
+      </p:cxnSp>
+      <p:cxnSp>
+        <p:nvCxnSpPr>
+          <p:cNvPr id="32" name="Straight Connector 31">
+            <a:extLst>
+              <a:ext uri="{FF2B5EF4-FFF2-40B4-BE49-F238E27FC236}">
+                <a16:creationId xmlns:a16="http://schemas.microsoft.com/office/drawing/2014/main" id="{51E330A8-C2E5-A08C-0E98-924D2CF73053}"/>
+              </a:ext>
+            </a:extLst>
+          </p:cNvPr>
+          <p:cNvCxnSpPr>
+            <a:cxnSpLocks/>
+          </p:cNvCxnSpPr>
+          <p:nvPr/>
+        </p:nvCxnSpPr>
+        <p:spPr>
+          <a:xfrm flipV="1">
+            <a:off x="3748167" y="2823690"/>
+            <a:ext cx="0" cy="999444"/>
+          </a:xfrm>
+          <a:prstGeom prst="line">
+            <a:avLst/>
+          </a:prstGeom>
+          <a:ln w="25400">
+            <a:solidFill>
+              <a:schemeClr val="tx1"/>
+            </a:solidFill>
+          </a:ln>
+        </p:spPr>
+        <p:style>
+          <a:lnRef idx="1">
+            <a:schemeClr val="accent1"/>
+          </a:lnRef>
+          <a:fillRef idx="0">
+            <a:schemeClr val="accent1"/>
+          </a:fillRef>
+          <a:effectRef idx="0">
+            <a:schemeClr val="accent1"/>
+          </a:effectRef>
+          <a:fontRef idx="minor">
+            <a:schemeClr val="tx1"/>
+          </a:fontRef>
+        </p:style>
+      </p:cxnSp>
+      <p:cxnSp>
+        <p:nvCxnSpPr>
+          <p:cNvPr id="33" name="Straight Connector 32">
+            <a:extLst>
+              <a:ext uri="{FF2B5EF4-FFF2-40B4-BE49-F238E27FC236}">
+                <a16:creationId xmlns:a16="http://schemas.microsoft.com/office/drawing/2014/main" id="{F963E0E5-4090-FA35-4AF6-D65CC850AB9B}"/>
+              </a:ext>
+            </a:extLst>
+          </p:cNvPr>
+          <p:cNvCxnSpPr>
+            <a:cxnSpLocks/>
+          </p:cNvCxnSpPr>
+          <p:nvPr/>
+        </p:nvCxnSpPr>
+        <p:spPr>
+          <a:xfrm flipH="1">
+            <a:off x="3748167" y="2805412"/>
+            <a:ext cx="2817676" cy="0"/>
+          </a:xfrm>
+          <a:prstGeom prst="line">
+            <a:avLst/>
+          </a:prstGeom>
+          <a:ln w="25400">
+            <a:solidFill>
+              <a:schemeClr val="tx1"/>
+            </a:solidFill>
+          </a:ln>
+        </p:spPr>
+        <p:style>
+          <a:lnRef idx="1">
+            <a:schemeClr val="accent1"/>
+          </a:lnRef>
+          <a:fillRef idx="0">
+            <a:schemeClr val="accent1"/>
+          </a:fillRef>
+          <a:effectRef idx="0">
+            <a:schemeClr val="accent1"/>
+          </a:effectRef>
+          <a:fontRef idx="minor">
+            <a:schemeClr val="tx1"/>
+          </a:fontRef>
+        </p:style>
+      </p:cxnSp>
+      <p:cxnSp>
+        <p:nvCxnSpPr>
+          <p:cNvPr id="41" name="Straight Arrow Connector 40">
+            <a:extLst>
+              <a:ext uri="{FF2B5EF4-FFF2-40B4-BE49-F238E27FC236}">
+                <a16:creationId xmlns:a16="http://schemas.microsoft.com/office/drawing/2014/main" id="{D0A86FD1-B710-A875-0F02-2B06DE615C35}"/>
+              </a:ext>
+            </a:extLst>
+          </p:cNvPr>
+          <p:cNvCxnSpPr/>
+          <p:nvPr/>
+        </p:nvCxnSpPr>
+        <p:spPr>
           <a:xfrm>
-            <a:off x="3139751" y="1016940"/>
-            <a:ext cx="306552" cy="0"/>
+            <a:off x="6423374" y="3819439"/>
+            <a:ext cx="318895" cy="0"/>
           </a:xfrm>
           <a:prstGeom prst="straightConnector1">
             <a:avLst/>
@@ -3665,354 +3784,6 @@
           </a:fontRef>
         </p:style>
       </p:cxnSp>
-      <p:cxnSp>
-        <p:nvCxnSpPr>
-          <p:cNvPr id="12" name="Straight Connector 11">
-            <a:extLst>
-              <a:ext uri="{FF2B5EF4-FFF2-40B4-BE49-F238E27FC236}">
-                <a16:creationId xmlns:a16="http://schemas.microsoft.com/office/drawing/2014/main" id="{F6BA1D66-92C9-51B4-5EAA-43D1932ABEA9}"/>
-              </a:ext>
-            </a:extLst>
-          </p:cNvPr>
-          <p:cNvCxnSpPr>
-            <a:stCxn id="7" idx="1"/>
-            <a:endCxn id="4" idx="1"/>
-          </p:cNvCxnSpPr>
-          <p:nvPr/>
-        </p:nvCxnSpPr>
-        <p:spPr>
-          <a:xfrm flipH="1">
-            <a:off x="827703" y="1016940"/>
-            <a:ext cx="297027" cy="0"/>
-          </a:xfrm>
-          <a:prstGeom prst="line">
-            <a:avLst/>
-          </a:prstGeom>
-          <a:ln w="25400">
-            <a:solidFill>
-              <a:schemeClr val="tx1"/>
-            </a:solidFill>
-          </a:ln>
-        </p:spPr>
-        <p:style>
-          <a:lnRef idx="1">
-            <a:schemeClr val="accent1"/>
-          </a:lnRef>
-          <a:fillRef idx="0">
-            <a:schemeClr val="accent1"/>
-          </a:fillRef>
-          <a:effectRef idx="0">
-            <a:schemeClr val="accent1"/>
-          </a:effectRef>
-          <a:fontRef idx="minor">
-            <a:schemeClr val="tx1"/>
-          </a:fontRef>
-        </p:style>
-      </p:cxnSp>
-      <p:cxnSp>
-        <p:nvCxnSpPr>
-          <p:cNvPr id="14" name="Straight Connector 13">
-            <a:extLst>
-              <a:ext uri="{FF2B5EF4-FFF2-40B4-BE49-F238E27FC236}">
-                <a16:creationId xmlns:a16="http://schemas.microsoft.com/office/drawing/2014/main" id="{F0F9F780-9161-2448-8545-CF09CF387880}"/>
-              </a:ext>
-            </a:extLst>
-          </p:cNvPr>
-          <p:cNvCxnSpPr>
-            <a:cxnSpLocks/>
-            <a:stCxn id="4" idx="3"/>
-            <a:endCxn id="8" idx="3"/>
-          </p:cNvCxnSpPr>
-          <p:nvPr/>
-        </p:nvCxnSpPr>
-        <p:spPr>
-          <a:xfrm flipH="1">
-            <a:off x="5461324" y="1016940"/>
-            <a:ext cx="323657" cy="0"/>
-          </a:xfrm>
-          <a:prstGeom prst="line">
-            <a:avLst/>
-          </a:prstGeom>
-          <a:ln w="25400">
-            <a:solidFill>
-              <a:schemeClr val="tx1"/>
-            </a:solidFill>
-          </a:ln>
-        </p:spPr>
-        <p:style>
-          <a:lnRef idx="1">
-            <a:schemeClr val="accent1"/>
-          </a:lnRef>
-          <a:fillRef idx="0">
-            <a:schemeClr val="accent1"/>
-          </a:fillRef>
-          <a:effectRef idx="0">
-            <a:schemeClr val="accent1"/>
-          </a:effectRef>
-          <a:fontRef idx="minor">
-            <a:schemeClr val="tx1"/>
-          </a:fontRef>
-        </p:style>
-      </p:cxnSp>
-      <p:cxnSp>
-        <p:nvCxnSpPr>
-          <p:cNvPr id="17" name="Straight Connector 16">
-            <a:extLst>
-              <a:ext uri="{FF2B5EF4-FFF2-40B4-BE49-F238E27FC236}">
-                <a16:creationId xmlns:a16="http://schemas.microsoft.com/office/drawing/2014/main" id="{B33BA5FD-967B-93F1-207A-F9BF979B6ECA}"/>
-              </a:ext>
-            </a:extLst>
-          </p:cNvPr>
-          <p:cNvCxnSpPr>
-            <a:cxnSpLocks/>
-            <a:stCxn id="4" idx="1"/>
-          </p:cNvCxnSpPr>
-          <p:nvPr/>
-        </p:nvCxnSpPr>
-        <p:spPr>
-          <a:xfrm flipH="1">
-            <a:off x="266700" y="1016940"/>
-            <a:ext cx="561003" cy="0"/>
-          </a:xfrm>
-          <a:prstGeom prst="line">
-            <a:avLst/>
-          </a:prstGeom>
-          <a:ln w="25400">
-            <a:solidFill>
-              <a:schemeClr val="tx1"/>
-            </a:solidFill>
-          </a:ln>
-        </p:spPr>
-        <p:style>
-          <a:lnRef idx="1">
-            <a:schemeClr val="accent1"/>
-          </a:lnRef>
-          <a:fillRef idx="0">
-            <a:schemeClr val="accent1"/>
-          </a:fillRef>
-          <a:effectRef idx="0">
-            <a:schemeClr val="accent1"/>
-          </a:effectRef>
-          <a:fontRef idx="minor">
-            <a:schemeClr val="tx1"/>
-          </a:fontRef>
-        </p:style>
-      </p:cxnSp>
-      <p:cxnSp>
-        <p:nvCxnSpPr>
-          <p:cNvPr id="26" name="Straight Connector 25">
-            <a:extLst>
-              <a:ext uri="{FF2B5EF4-FFF2-40B4-BE49-F238E27FC236}">
-                <a16:creationId xmlns:a16="http://schemas.microsoft.com/office/drawing/2014/main" id="{AC58ED52-F462-175B-4E64-A85C9F27A681}"/>
-              </a:ext>
-            </a:extLst>
-          </p:cNvPr>
-          <p:cNvCxnSpPr>
-            <a:cxnSpLocks/>
-            <a:endCxn id="4" idx="3"/>
-          </p:cNvCxnSpPr>
-          <p:nvPr/>
-        </p:nvCxnSpPr>
-        <p:spPr>
-          <a:xfrm flipH="1">
-            <a:off x="5784981" y="1016940"/>
-            <a:ext cx="323657" cy="0"/>
-          </a:xfrm>
-          <a:prstGeom prst="line">
-            <a:avLst/>
-          </a:prstGeom>
-          <a:ln w="25400">
-            <a:solidFill>
-              <a:schemeClr val="tx1"/>
-            </a:solidFill>
-          </a:ln>
-        </p:spPr>
-        <p:style>
-          <a:lnRef idx="1">
-            <a:schemeClr val="accent1"/>
-          </a:lnRef>
-          <a:fillRef idx="0">
-            <a:schemeClr val="accent1"/>
-          </a:fillRef>
-          <a:effectRef idx="0">
-            <a:schemeClr val="accent1"/>
-          </a:effectRef>
-          <a:fontRef idx="minor">
-            <a:schemeClr val="tx1"/>
-          </a:fontRef>
-        </p:style>
-      </p:cxnSp>
-      <p:cxnSp>
-        <p:nvCxnSpPr>
-          <p:cNvPr id="29" name="Straight Connector 28">
-            <a:extLst>
-              <a:ext uri="{FF2B5EF4-FFF2-40B4-BE49-F238E27FC236}">
-                <a16:creationId xmlns:a16="http://schemas.microsoft.com/office/drawing/2014/main" id="{05833DA2-8EC6-89AA-C02E-883DB514FC98}"/>
-              </a:ext>
-            </a:extLst>
-          </p:cNvPr>
-          <p:cNvCxnSpPr>
-            <a:cxnSpLocks/>
-          </p:cNvCxnSpPr>
-          <p:nvPr/>
-        </p:nvCxnSpPr>
-        <p:spPr>
-          <a:xfrm flipV="1">
-            <a:off x="6108638" y="1016940"/>
-            <a:ext cx="0" cy="1014026"/>
-          </a:xfrm>
-          <a:prstGeom prst="line">
-            <a:avLst/>
-          </a:prstGeom>
-          <a:ln w="25400">
-            <a:solidFill>
-              <a:schemeClr val="tx1"/>
-            </a:solidFill>
-          </a:ln>
-        </p:spPr>
-        <p:style>
-          <a:lnRef idx="1">
-            <a:schemeClr val="accent1"/>
-          </a:lnRef>
-          <a:fillRef idx="0">
-            <a:schemeClr val="accent1"/>
-          </a:fillRef>
-          <a:effectRef idx="0">
-            <a:schemeClr val="accent1"/>
-          </a:effectRef>
-          <a:fontRef idx="minor">
-            <a:schemeClr val="tx1"/>
-          </a:fontRef>
-        </p:style>
-      </p:cxnSp>
-      <p:cxnSp>
-        <p:nvCxnSpPr>
-          <p:cNvPr id="32" name="Straight Connector 31">
-            <a:extLst>
-              <a:ext uri="{FF2B5EF4-FFF2-40B4-BE49-F238E27FC236}">
-                <a16:creationId xmlns:a16="http://schemas.microsoft.com/office/drawing/2014/main" id="{51E330A8-C2E5-A08C-0E98-924D2CF73053}"/>
-              </a:ext>
-            </a:extLst>
-          </p:cNvPr>
-          <p:cNvCxnSpPr>
-            <a:cxnSpLocks/>
-          </p:cNvCxnSpPr>
-          <p:nvPr/>
-        </p:nvCxnSpPr>
-        <p:spPr>
-          <a:xfrm flipV="1">
-            <a:off x="948978" y="2045549"/>
-            <a:ext cx="0" cy="999444"/>
-          </a:xfrm>
-          <a:prstGeom prst="line">
-            <a:avLst/>
-          </a:prstGeom>
-          <a:ln w="25400">
-            <a:solidFill>
-              <a:schemeClr val="tx1"/>
-            </a:solidFill>
-          </a:ln>
-        </p:spPr>
-        <p:style>
-          <a:lnRef idx="1">
-            <a:schemeClr val="accent1"/>
-          </a:lnRef>
-          <a:fillRef idx="0">
-            <a:schemeClr val="accent1"/>
-          </a:fillRef>
-          <a:effectRef idx="0">
-            <a:schemeClr val="accent1"/>
-          </a:effectRef>
-          <a:fontRef idx="minor">
-            <a:schemeClr val="tx1"/>
-          </a:fontRef>
-        </p:style>
-      </p:cxnSp>
-      <p:cxnSp>
-        <p:nvCxnSpPr>
-          <p:cNvPr id="33" name="Straight Connector 32">
-            <a:extLst>
-              <a:ext uri="{FF2B5EF4-FFF2-40B4-BE49-F238E27FC236}">
-                <a16:creationId xmlns:a16="http://schemas.microsoft.com/office/drawing/2014/main" id="{F963E0E5-4090-FA35-4AF6-D65CC850AB9B}"/>
-              </a:ext>
-            </a:extLst>
-          </p:cNvPr>
-          <p:cNvCxnSpPr>
-            <a:cxnSpLocks/>
-          </p:cNvCxnSpPr>
-          <p:nvPr/>
-        </p:nvCxnSpPr>
-        <p:spPr>
-          <a:xfrm flipH="1">
-            <a:off x="948978" y="2030966"/>
-            <a:ext cx="5159660" cy="14583"/>
-          </a:xfrm>
-          <a:prstGeom prst="line">
-            <a:avLst/>
-          </a:prstGeom>
-          <a:ln w="25400">
-            <a:solidFill>
-              <a:schemeClr val="tx1"/>
-            </a:solidFill>
-          </a:ln>
-        </p:spPr>
-        <p:style>
-          <a:lnRef idx="1">
-            <a:schemeClr val="accent1"/>
-          </a:lnRef>
-          <a:fillRef idx="0">
-            <a:schemeClr val="accent1"/>
-          </a:fillRef>
-          <a:effectRef idx="0">
-            <a:schemeClr val="accent1"/>
-          </a:effectRef>
-          <a:fontRef idx="minor">
-            <a:schemeClr val="tx1"/>
-          </a:fontRef>
-        </p:style>
-      </p:cxnSp>
-      <p:cxnSp>
-        <p:nvCxnSpPr>
-          <p:cNvPr id="41" name="Straight Arrow Connector 40">
-            <a:extLst>
-              <a:ext uri="{FF2B5EF4-FFF2-40B4-BE49-F238E27FC236}">
-                <a16:creationId xmlns:a16="http://schemas.microsoft.com/office/drawing/2014/main" id="{D0A86FD1-B710-A875-0F02-2B06DE615C35}"/>
-              </a:ext>
-            </a:extLst>
-          </p:cNvPr>
-          <p:cNvCxnSpPr/>
-          <p:nvPr/>
-        </p:nvCxnSpPr>
-        <p:spPr>
-          <a:xfrm>
-            <a:off x="5966169" y="3044993"/>
-            <a:ext cx="318895" cy="0"/>
-          </a:xfrm>
-          <a:prstGeom prst="straightConnector1">
-            <a:avLst/>
-          </a:prstGeom>
-          <a:ln w="25400">
-            <a:solidFill>
-              <a:schemeClr val="tx1"/>
-            </a:solidFill>
-            <a:tailEnd type="triangle"/>
-          </a:ln>
-        </p:spPr>
-        <p:style>
-          <a:lnRef idx="1">
-            <a:schemeClr val="accent1"/>
-          </a:lnRef>
-          <a:fillRef idx="0">
-            <a:schemeClr val="accent1"/>
-          </a:fillRef>
-          <a:effectRef idx="0">
-            <a:schemeClr val="accent1"/>
-          </a:effectRef>
-          <a:fontRef idx="minor">
-            <a:schemeClr val="tx1"/>
-          </a:fontRef>
-        </p:style>
-      </p:cxnSp>
       <p:sp>
         <p:nvSpPr>
           <p:cNvPr id="49" name="Rectangle 48">
@@ -4027,8 +3798,8 @@
         </p:nvSpPr>
         <p:spPr>
           <a:xfrm>
-            <a:off x="1267873" y="2373091"/>
-            <a:ext cx="9656254" cy="1343803"/>
+            <a:off x="4091016" y="3147537"/>
+            <a:ext cx="7290316" cy="1343803"/>
           </a:xfrm>
           <a:prstGeom prst="rect">
             <a:avLst/>
@@ -4141,7 +3912,7 @@
         </p:nvSpPr>
         <p:spPr>
           <a:xfrm>
-            <a:off x="6285064" y="2763033"/>
+            <a:off x="6742269" y="3537479"/>
             <a:ext cx="2015021" cy="563920"/>
           </a:xfrm>
           <a:prstGeom prst="rect">
@@ -4195,7 +3966,7 @@
                 <a:latin typeface="Cambria" panose="02040503050406030204" pitchFamily="18" charset="0"/>
                 <a:ea typeface="Cambria" panose="02040503050406030204" pitchFamily="18" charset="0"/>
               </a:rPr>
-              <a:t>administration</a:t>
+              <a:t>somministation</a:t>
             </a:r>
             <a:endParaRPr lang="it-IT" sz="1200" dirty="0">
               <a:solidFill>
@@ -4221,7 +3992,7 @@
         </p:nvSpPr>
         <p:spPr>
           <a:xfrm>
-            <a:off x="8606637" y="2763033"/>
+            <a:off x="9063842" y="3537479"/>
             <a:ext cx="2015021" cy="563920"/>
           </a:xfrm>
           <a:prstGeom prst="rect">
@@ -4305,7 +4076,7 @@
         </p:nvCxnSpPr>
         <p:spPr>
           <a:xfrm>
-            <a:off x="8300085" y="3044993"/>
+            <a:off x="8757290" y="3819439"/>
             <a:ext cx="306552" cy="0"/>
           </a:xfrm>
           <a:prstGeom prst="straightConnector1">
@@ -4333,48 +4104,6 @@
           </a:fontRef>
         </p:style>
       </p:cxnSp>
-      <p:cxnSp>
-        <p:nvCxnSpPr>
-          <p:cNvPr id="60" name="Straight Arrow Connector 59">
-            <a:extLst>
-              <a:ext uri="{FF2B5EF4-FFF2-40B4-BE49-F238E27FC236}">
-                <a16:creationId xmlns:a16="http://schemas.microsoft.com/office/drawing/2014/main" id="{5C0D8008-82E2-8498-A8C4-2C12B0092E4F}"/>
-              </a:ext>
-            </a:extLst>
-          </p:cNvPr>
-          <p:cNvCxnSpPr/>
-          <p:nvPr/>
-        </p:nvCxnSpPr>
-        <p:spPr>
-          <a:xfrm>
-            <a:off x="3611943" y="3044993"/>
-            <a:ext cx="318895" cy="0"/>
-          </a:xfrm>
-          <a:prstGeom prst="straightConnector1">
-            <a:avLst/>
-          </a:prstGeom>
-          <a:ln w="25400">
-            <a:solidFill>
-              <a:schemeClr val="tx1"/>
-            </a:solidFill>
-            <a:tailEnd type="triangle"/>
-          </a:ln>
-        </p:spPr>
-        <p:style>
-          <a:lnRef idx="1">
-            <a:schemeClr val="accent1"/>
-          </a:lnRef>
-          <a:fillRef idx="0">
-            <a:schemeClr val="accent1"/>
-          </a:fillRef>
-          <a:effectRef idx="0">
-            <a:schemeClr val="accent1"/>
-          </a:effectRef>
-          <a:fontRef idx="minor">
-            <a:schemeClr val="tx1"/>
-          </a:fontRef>
-        </p:style>
-      </p:cxnSp>
       <p:sp>
         <p:nvSpPr>
           <p:cNvPr id="61" name="Rectangle 60">
@@ -4389,7 +4118,7 @@
         </p:nvSpPr>
         <p:spPr>
           <a:xfrm>
-            <a:off x="3930838" y="2763033"/>
+            <a:off x="4388043" y="3537479"/>
             <a:ext cx="2015021" cy="563920"/>
           </a:xfrm>
           <a:prstGeom prst="rect">
@@ -4438,12 +4167,311 @@
           </a:p>
         </p:txBody>
       </p:sp>
-      <p:sp>
-        <p:nvSpPr>
-          <p:cNvPr id="63" name="Rectangle 62">
-            <a:extLst>
-              <a:ext uri="{FF2B5EF4-FFF2-40B4-BE49-F238E27FC236}">
-                <a16:creationId xmlns:a16="http://schemas.microsoft.com/office/drawing/2014/main" id="{E0660A81-656C-90D5-D535-BAF9DE7E3B59}"/>
+      <p:cxnSp>
+        <p:nvCxnSpPr>
+          <p:cNvPr id="66" name="Straight Arrow Connector 65">
+            <a:extLst>
+              <a:ext uri="{FF2B5EF4-FFF2-40B4-BE49-F238E27FC236}">
+                <a16:creationId xmlns:a16="http://schemas.microsoft.com/office/drawing/2014/main" id="{C615ABB8-C085-63CF-716F-764F061AADBE}"/>
+              </a:ext>
+            </a:extLst>
+          </p:cNvPr>
+          <p:cNvCxnSpPr/>
+          <p:nvPr/>
+        </p:nvCxnSpPr>
+        <p:spPr>
+          <a:xfrm>
+            <a:off x="3748167" y="3823134"/>
+            <a:ext cx="318895" cy="0"/>
+          </a:xfrm>
+          <a:prstGeom prst="straightConnector1">
+            <a:avLst/>
+          </a:prstGeom>
+          <a:ln w="25400">
+            <a:solidFill>
+              <a:schemeClr val="tx1"/>
+            </a:solidFill>
+            <a:tailEnd type="triangle"/>
+          </a:ln>
+        </p:spPr>
+        <p:style>
+          <a:lnRef idx="1">
+            <a:schemeClr val="accent1"/>
+          </a:lnRef>
+          <a:fillRef idx="0">
+            <a:schemeClr val="accent1"/>
+          </a:fillRef>
+          <a:effectRef idx="0">
+            <a:schemeClr val="accent1"/>
+          </a:effectRef>
+          <a:fontRef idx="minor">
+            <a:schemeClr val="tx1"/>
+          </a:fontRef>
+        </p:style>
+      </p:cxnSp>
+      <p:cxnSp>
+        <p:nvCxnSpPr>
+          <p:cNvPr id="68" name="Straight Connector 67">
+            <a:extLst>
+              <a:ext uri="{FF2B5EF4-FFF2-40B4-BE49-F238E27FC236}">
+                <a16:creationId xmlns:a16="http://schemas.microsoft.com/office/drawing/2014/main" id="{BBF727C8-3A13-7E22-0258-0BB69C044D6B}"/>
+              </a:ext>
+            </a:extLst>
+          </p:cNvPr>
+          <p:cNvCxnSpPr>
+            <a:cxnSpLocks/>
+          </p:cNvCxnSpPr>
+          <p:nvPr/>
+        </p:nvCxnSpPr>
+        <p:spPr>
+          <a:xfrm flipH="1">
+            <a:off x="11083431" y="3819439"/>
+            <a:ext cx="323657" cy="0"/>
+          </a:xfrm>
+          <a:prstGeom prst="line">
+            <a:avLst/>
+          </a:prstGeom>
+          <a:ln w="25400">
+            <a:solidFill>
+              <a:schemeClr val="tx1"/>
+            </a:solidFill>
+          </a:ln>
+        </p:spPr>
+        <p:style>
+          <a:lnRef idx="1">
+            <a:schemeClr val="accent1"/>
+          </a:lnRef>
+          <a:fillRef idx="0">
+            <a:schemeClr val="accent1"/>
+          </a:fillRef>
+          <a:effectRef idx="0">
+            <a:schemeClr val="accent1"/>
+          </a:effectRef>
+          <a:fontRef idx="minor">
+            <a:schemeClr val="tx1"/>
+          </a:fontRef>
+        </p:style>
+      </p:cxnSp>
+      <p:cxnSp>
+        <p:nvCxnSpPr>
+          <p:cNvPr id="69" name="Straight Connector 68">
+            <a:extLst>
+              <a:ext uri="{FF2B5EF4-FFF2-40B4-BE49-F238E27FC236}">
+                <a16:creationId xmlns:a16="http://schemas.microsoft.com/office/drawing/2014/main" id="{2532C268-89A2-84E2-24EF-48A105D49087}"/>
+              </a:ext>
+            </a:extLst>
+          </p:cNvPr>
+          <p:cNvCxnSpPr>
+            <a:cxnSpLocks/>
+          </p:cNvCxnSpPr>
+          <p:nvPr/>
+        </p:nvCxnSpPr>
+        <p:spPr>
+          <a:xfrm flipH="1">
+            <a:off x="11407088" y="3819439"/>
+            <a:ext cx="323657" cy="0"/>
+          </a:xfrm>
+          <a:prstGeom prst="line">
+            <a:avLst/>
+          </a:prstGeom>
+          <a:ln w="25400">
+            <a:solidFill>
+              <a:schemeClr val="tx1"/>
+            </a:solidFill>
+          </a:ln>
+        </p:spPr>
+        <p:style>
+          <a:lnRef idx="1">
+            <a:schemeClr val="accent1"/>
+          </a:lnRef>
+          <a:fillRef idx="0">
+            <a:schemeClr val="accent1"/>
+          </a:fillRef>
+          <a:effectRef idx="0">
+            <a:schemeClr val="accent1"/>
+          </a:effectRef>
+          <a:fontRef idx="minor">
+            <a:schemeClr val="tx1"/>
+          </a:fontRef>
+        </p:style>
+      </p:cxnSp>
+      <p:cxnSp>
+        <p:nvCxnSpPr>
+          <p:cNvPr id="70" name="Straight Connector 69">
+            <a:extLst>
+              <a:ext uri="{FF2B5EF4-FFF2-40B4-BE49-F238E27FC236}">
+                <a16:creationId xmlns:a16="http://schemas.microsoft.com/office/drawing/2014/main" id="{6C032D16-C96F-167C-D4B4-79484D908A7F}"/>
+              </a:ext>
+            </a:extLst>
+          </p:cNvPr>
+          <p:cNvCxnSpPr>
+            <a:cxnSpLocks/>
+          </p:cNvCxnSpPr>
+          <p:nvPr/>
+        </p:nvCxnSpPr>
+        <p:spPr>
+          <a:xfrm flipV="1">
+            <a:off x="11730745" y="3816616"/>
+            <a:ext cx="0" cy="1037253"/>
+          </a:xfrm>
+          <a:prstGeom prst="line">
+            <a:avLst/>
+          </a:prstGeom>
+          <a:ln w="25400">
+            <a:solidFill>
+              <a:schemeClr val="tx1"/>
+            </a:solidFill>
+          </a:ln>
+        </p:spPr>
+        <p:style>
+          <a:lnRef idx="1">
+            <a:schemeClr val="accent1"/>
+          </a:lnRef>
+          <a:fillRef idx="0">
+            <a:schemeClr val="accent1"/>
+          </a:fillRef>
+          <a:effectRef idx="0">
+            <a:schemeClr val="accent1"/>
+          </a:effectRef>
+          <a:fontRef idx="minor">
+            <a:schemeClr val="tx1"/>
+          </a:fontRef>
+        </p:style>
+      </p:cxnSp>
+      <p:cxnSp>
+        <p:nvCxnSpPr>
+          <p:cNvPr id="71" name="Straight Connector 70">
+            <a:extLst>
+              <a:ext uri="{FF2B5EF4-FFF2-40B4-BE49-F238E27FC236}">
+                <a16:creationId xmlns:a16="http://schemas.microsoft.com/office/drawing/2014/main" id="{08FEDE58-96E5-167A-7781-2C2B02EEC6A0}"/>
+              </a:ext>
+            </a:extLst>
+          </p:cNvPr>
+          <p:cNvCxnSpPr>
+            <a:cxnSpLocks/>
+          </p:cNvCxnSpPr>
+          <p:nvPr/>
+        </p:nvCxnSpPr>
+        <p:spPr>
+          <a:xfrm flipV="1">
+            <a:off x="4201972" y="4835700"/>
+            <a:ext cx="0" cy="999444"/>
+          </a:xfrm>
+          <a:prstGeom prst="line">
+            <a:avLst/>
+          </a:prstGeom>
+          <a:ln w="25400">
+            <a:solidFill>
+              <a:schemeClr val="tx1"/>
+            </a:solidFill>
+          </a:ln>
+        </p:spPr>
+        <p:style>
+          <a:lnRef idx="1">
+            <a:schemeClr val="accent1"/>
+          </a:lnRef>
+          <a:fillRef idx="0">
+            <a:schemeClr val="accent1"/>
+          </a:fillRef>
+          <a:effectRef idx="0">
+            <a:schemeClr val="accent1"/>
+          </a:effectRef>
+          <a:fontRef idx="minor">
+            <a:schemeClr val="tx1"/>
+          </a:fontRef>
+        </p:style>
+      </p:cxnSp>
+      <p:cxnSp>
+        <p:nvCxnSpPr>
+          <p:cNvPr id="72" name="Straight Connector 71">
+            <a:extLst>
+              <a:ext uri="{FF2B5EF4-FFF2-40B4-BE49-F238E27FC236}">
+                <a16:creationId xmlns:a16="http://schemas.microsoft.com/office/drawing/2014/main" id="{49B9F994-A0E0-671A-7BAD-10B69721CAD9}"/>
+              </a:ext>
+            </a:extLst>
+          </p:cNvPr>
+          <p:cNvCxnSpPr>
+            <a:cxnSpLocks/>
+          </p:cNvCxnSpPr>
+          <p:nvPr/>
+        </p:nvCxnSpPr>
+        <p:spPr>
+          <a:xfrm flipH="1" flipV="1">
+            <a:off x="4201972" y="4835700"/>
+            <a:ext cx="7528773" cy="18169"/>
+          </a:xfrm>
+          <a:prstGeom prst="line">
+            <a:avLst/>
+          </a:prstGeom>
+          <a:ln w="25400">
+            <a:solidFill>
+              <a:schemeClr val="tx1"/>
+            </a:solidFill>
+          </a:ln>
+        </p:spPr>
+        <p:style>
+          <a:lnRef idx="1">
+            <a:schemeClr val="accent1"/>
+          </a:lnRef>
+          <a:fillRef idx="0">
+            <a:schemeClr val="accent1"/>
+          </a:fillRef>
+          <a:effectRef idx="0">
+            <a:schemeClr val="accent1"/>
+          </a:effectRef>
+          <a:fontRef idx="minor">
+            <a:schemeClr val="tx1"/>
+          </a:fontRef>
+        </p:style>
+      </p:cxnSp>
+      <p:cxnSp>
+        <p:nvCxnSpPr>
+          <p:cNvPr id="73" name="Straight Arrow Connector 72">
+            <a:extLst>
+              <a:ext uri="{FF2B5EF4-FFF2-40B4-BE49-F238E27FC236}">
+                <a16:creationId xmlns:a16="http://schemas.microsoft.com/office/drawing/2014/main" id="{72D29716-1DC9-F4C3-4E2A-2B04A9053D9D}"/>
+              </a:ext>
+            </a:extLst>
+          </p:cNvPr>
+          <p:cNvCxnSpPr/>
+          <p:nvPr/>
+        </p:nvCxnSpPr>
+        <p:spPr>
+          <a:xfrm>
+            <a:off x="6858512" y="5835144"/>
+            <a:ext cx="318895" cy="0"/>
+          </a:xfrm>
+          <a:prstGeom prst="straightConnector1">
+            <a:avLst/>
+          </a:prstGeom>
+          <a:ln w="25400">
+            <a:solidFill>
+              <a:schemeClr val="tx1"/>
+            </a:solidFill>
+            <a:tailEnd type="triangle"/>
+          </a:ln>
+        </p:spPr>
+        <p:style>
+          <a:lnRef idx="1">
+            <a:schemeClr val="accent1"/>
+          </a:lnRef>
+          <a:fillRef idx="0">
+            <a:schemeClr val="accent1"/>
+          </a:fillRef>
+          <a:effectRef idx="0">
+            <a:schemeClr val="accent1"/>
+          </a:effectRef>
+          <a:fontRef idx="minor">
+            <a:schemeClr val="tx1"/>
+          </a:fontRef>
+        </p:style>
+      </p:cxnSp>
+      <p:sp>
+        <p:nvSpPr>
+          <p:cNvPr id="74" name="Rectangle 73">
+            <a:extLst>
+              <a:ext uri="{FF2B5EF4-FFF2-40B4-BE49-F238E27FC236}">
+                <a16:creationId xmlns:a16="http://schemas.microsoft.com/office/drawing/2014/main" id="{A949599D-F543-9961-D542-42624F200715}"/>
               </a:ext>
             </a:extLst>
           </p:cNvPr>
@@ -4452,7 +4480,110 @@
         </p:nvSpPr>
         <p:spPr>
           <a:xfrm>
-            <a:off x="1586767" y="2735620"/>
+            <a:off x="4526154" y="5163242"/>
+            <a:ext cx="7290316" cy="1343803"/>
+          </a:xfrm>
+          <a:prstGeom prst="rect">
+            <a:avLst/>
+          </a:prstGeom>
+          <a:solidFill>
+            <a:srgbClr val="F5F5F5"/>
+          </a:solidFill>
+          <a:ln w="25400">
+            <a:solidFill>
+              <a:srgbClr val="188193"/>
+            </a:solidFill>
+          </a:ln>
+        </p:spPr>
+        <p:style>
+          <a:lnRef idx="2">
+            <a:schemeClr val="accent1">
+              <a:shade val="50000"/>
+            </a:schemeClr>
+          </a:lnRef>
+          <a:fillRef idx="1">
+            <a:schemeClr val="accent1"/>
+          </a:fillRef>
+          <a:effectRef idx="0">
+            <a:schemeClr val="accent1"/>
+          </a:effectRef>
+          <a:fontRef idx="minor">
+            <a:schemeClr val="lt1"/>
+          </a:fontRef>
+        </p:style>
+        <p:txBody>
+          <a:bodyPr rtlCol="0" anchor="t"/>
+          <a:lstStyle/>
+          <a:p>
+            <a:r>
+              <a:rPr lang="it-IT" sz="1200" b="1" dirty="0" err="1">
+                <a:solidFill>
+                  <a:srgbClr val="188193"/>
+                </a:solidFill>
+                <a:effectLst/>
+                <a:latin typeface="Cambria" panose="02040503050406030204" pitchFamily="18" charset="0"/>
+                <a:ea typeface="Cambria" panose="02040503050406030204" pitchFamily="18" charset="0"/>
+              </a:rPr>
+              <a:t>Artifact-driven</a:t>
+            </a:r>
+            <a:r>
+              <a:rPr lang="it-IT" sz="1200" b="1" dirty="0">
+                <a:solidFill>
+                  <a:srgbClr val="188193"/>
+                </a:solidFill>
+                <a:effectLst/>
+                <a:latin typeface="Cambria" panose="02040503050406030204" pitchFamily="18" charset="0"/>
+                <a:ea typeface="Cambria" panose="02040503050406030204" pitchFamily="18" charset="0"/>
+              </a:rPr>
+              <a:t> </a:t>
+            </a:r>
+            <a:r>
+              <a:rPr lang="it-IT" sz="1200" b="1" dirty="0" err="1">
+                <a:solidFill>
+                  <a:srgbClr val="188193"/>
+                </a:solidFill>
+                <a:effectLst/>
+                <a:latin typeface="Cambria" panose="02040503050406030204" pitchFamily="18" charset="0"/>
+                <a:ea typeface="Cambria" panose="02040503050406030204" pitchFamily="18" charset="0"/>
+              </a:rPr>
+              <a:t>elicitation</a:t>
+            </a:r>
+            <a:r>
+              <a:rPr lang="it-IT" sz="1200" b="1" dirty="0">
+                <a:solidFill>
+                  <a:srgbClr val="188193"/>
+                </a:solidFill>
+                <a:effectLst/>
+                <a:latin typeface="Cambria" panose="02040503050406030204" pitchFamily="18" charset="0"/>
+                <a:ea typeface="Cambria" panose="02040503050406030204" pitchFamily="18" charset="0"/>
+              </a:rPr>
+              <a:t> </a:t>
+            </a:r>
+            <a:endParaRPr lang="it-IT" sz="1200" b="1" dirty="0">
+              <a:solidFill>
+                <a:srgbClr val="188193"/>
+              </a:solidFill>
+              <a:latin typeface="Cambria" panose="02040503050406030204" pitchFamily="18" charset="0"/>
+              <a:ea typeface="Cambria" panose="02040503050406030204" pitchFamily="18" charset="0"/>
+            </a:endParaRPr>
+          </a:p>
+        </p:txBody>
+      </p:sp>
+      <p:sp>
+        <p:nvSpPr>
+          <p:cNvPr id="75" name="Rectangle 74">
+            <a:extLst>
+              <a:ext uri="{FF2B5EF4-FFF2-40B4-BE49-F238E27FC236}">
+                <a16:creationId xmlns:a16="http://schemas.microsoft.com/office/drawing/2014/main" id="{24B9E318-2F27-3829-D58E-2984863F89D0}"/>
+              </a:ext>
+            </a:extLst>
+          </p:cNvPr>
+          <p:cNvSpPr/>
+          <p:nvPr/>
+        </p:nvSpPr>
+        <p:spPr>
+          <a:xfrm>
+            <a:off x="7177407" y="5553184"/>
             <a:ext cx="2015021" cy="563920"/>
           </a:xfrm>
           <a:prstGeom prst="rect">
@@ -4489,6 +4620,16 @@
           <a:p>
             <a:pPr algn="ctr"/>
             <a:r>
+              <a:rPr lang="it-IT" sz="1200" dirty="0" err="1">
+                <a:solidFill>
+                  <a:srgbClr val="35948E"/>
+                </a:solidFill>
+                <a:latin typeface="Cambria" panose="02040503050406030204" pitchFamily="18" charset="0"/>
+                <a:ea typeface="Cambria" panose="02040503050406030204" pitchFamily="18" charset="0"/>
+              </a:rPr>
+              <a:t>Questionnaire</a:t>
+            </a:r>
+            <a:r>
               <a:rPr lang="it-IT" sz="1200" dirty="0">
                 <a:solidFill>
                   <a:srgbClr val="35948E"/>
@@ -4496,447 +4637,21 @@
                 <a:latin typeface="Cambria" panose="02040503050406030204" pitchFamily="18" charset="0"/>
                 <a:ea typeface="Cambria" panose="02040503050406030204" pitchFamily="18" charset="0"/>
               </a:rPr>
-              <a:t>Background study</a:t>
-            </a:r>
-          </a:p>
-        </p:txBody>
-      </p:sp>
-      <p:cxnSp>
-        <p:nvCxnSpPr>
-          <p:cNvPr id="65" name="Straight Connector 64">
-            <a:extLst>
-              <a:ext uri="{FF2B5EF4-FFF2-40B4-BE49-F238E27FC236}">
-                <a16:creationId xmlns:a16="http://schemas.microsoft.com/office/drawing/2014/main" id="{1A0EBB64-CA28-86DB-61A6-679350DB5AE3}"/>
-              </a:ext>
-            </a:extLst>
-          </p:cNvPr>
-          <p:cNvCxnSpPr/>
-          <p:nvPr/>
-        </p:nvCxnSpPr>
-        <p:spPr>
-          <a:xfrm flipH="1">
-            <a:off x="1282204" y="3048688"/>
-            <a:ext cx="297027" cy="0"/>
-          </a:xfrm>
-          <a:prstGeom prst="line">
-            <a:avLst/>
-          </a:prstGeom>
-          <a:ln w="25400">
-            <a:solidFill>
-              <a:schemeClr val="tx1"/>
-            </a:solidFill>
-          </a:ln>
-        </p:spPr>
-        <p:style>
-          <a:lnRef idx="1">
-            <a:schemeClr val="accent1"/>
-          </a:lnRef>
-          <a:fillRef idx="0">
-            <a:schemeClr val="accent1"/>
-          </a:fillRef>
-          <a:effectRef idx="0">
-            <a:schemeClr val="accent1"/>
-          </a:effectRef>
-          <a:fontRef idx="minor">
-            <a:schemeClr val="tx1"/>
-          </a:fontRef>
-        </p:style>
-      </p:cxnSp>
-      <p:cxnSp>
-        <p:nvCxnSpPr>
-          <p:cNvPr id="66" name="Straight Arrow Connector 65">
-            <a:extLst>
-              <a:ext uri="{FF2B5EF4-FFF2-40B4-BE49-F238E27FC236}">
-                <a16:creationId xmlns:a16="http://schemas.microsoft.com/office/drawing/2014/main" id="{C615ABB8-C085-63CF-716F-764F061AADBE}"/>
-              </a:ext>
-            </a:extLst>
-          </p:cNvPr>
-          <p:cNvCxnSpPr/>
-          <p:nvPr/>
-        </p:nvCxnSpPr>
-        <p:spPr>
-          <a:xfrm>
-            <a:off x="948978" y="3044993"/>
-            <a:ext cx="318895" cy="0"/>
-          </a:xfrm>
-          <a:prstGeom prst="straightConnector1">
-            <a:avLst/>
-          </a:prstGeom>
-          <a:ln w="25400">
-            <a:solidFill>
-              <a:schemeClr val="tx1"/>
-            </a:solidFill>
-            <a:tailEnd type="triangle"/>
-          </a:ln>
-        </p:spPr>
-        <p:style>
-          <a:lnRef idx="1">
-            <a:schemeClr val="accent1"/>
-          </a:lnRef>
-          <a:fillRef idx="0">
-            <a:schemeClr val="accent1"/>
-          </a:fillRef>
-          <a:effectRef idx="0">
-            <a:schemeClr val="accent1"/>
-          </a:effectRef>
-          <a:fontRef idx="minor">
-            <a:schemeClr val="tx1"/>
-          </a:fontRef>
-        </p:style>
-      </p:cxnSp>
-      <p:cxnSp>
-        <p:nvCxnSpPr>
-          <p:cNvPr id="68" name="Straight Connector 67">
-            <a:extLst>
-              <a:ext uri="{FF2B5EF4-FFF2-40B4-BE49-F238E27FC236}">
-                <a16:creationId xmlns:a16="http://schemas.microsoft.com/office/drawing/2014/main" id="{BBF727C8-3A13-7E22-0258-0BB69C044D6B}"/>
-              </a:ext>
-            </a:extLst>
-          </p:cNvPr>
-          <p:cNvCxnSpPr>
-            <a:cxnSpLocks/>
-          </p:cNvCxnSpPr>
-          <p:nvPr/>
-        </p:nvCxnSpPr>
-        <p:spPr>
-          <a:xfrm flipH="1">
-            <a:off x="10626226" y="3044993"/>
-            <a:ext cx="323657" cy="0"/>
-          </a:xfrm>
-          <a:prstGeom prst="line">
-            <a:avLst/>
-          </a:prstGeom>
-          <a:ln w="25400">
-            <a:solidFill>
-              <a:schemeClr val="tx1"/>
-            </a:solidFill>
-          </a:ln>
-        </p:spPr>
-        <p:style>
-          <a:lnRef idx="1">
-            <a:schemeClr val="accent1"/>
-          </a:lnRef>
-          <a:fillRef idx="0">
-            <a:schemeClr val="accent1"/>
-          </a:fillRef>
-          <a:effectRef idx="0">
-            <a:schemeClr val="accent1"/>
-          </a:effectRef>
-          <a:fontRef idx="minor">
-            <a:schemeClr val="tx1"/>
-          </a:fontRef>
-        </p:style>
-      </p:cxnSp>
-      <p:cxnSp>
-        <p:nvCxnSpPr>
-          <p:cNvPr id="69" name="Straight Connector 68">
-            <a:extLst>
-              <a:ext uri="{FF2B5EF4-FFF2-40B4-BE49-F238E27FC236}">
-                <a16:creationId xmlns:a16="http://schemas.microsoft.com/office/drawing/2014/main" id="{2532C268-89A2-84E2-24EF-48A105D49087}"/>
-              </a:ext>
-            </a:extLst>
-          </p:cNvPr>
-          <p:cNvCxnSpPr>
-            <a:cxnSpLocks/>
-          </p:cNvCxnSpPr>
-          <p:nvPr/>
-        </p:nvCxnSpPr>
-        <p:spPr>
-          <a:xfrm flipH="1">
-            <a:off x="10949883" y="3044993"/>
-            <a:ext cx="323657" cy="0"/>
-          </a:xfrm>
-          <a:prstGeom prst="line">
-            <a:avLst/>
-          </a:prstGeom>
-          <a:ln w="25400">
-            <a:solidFill>
-              <a:schemeClr val="tx1"/>
-            </a:solidFill>
-          </a:ln>
-        </p:spPr>
-        <p:style>
-          <a:lnRef idx="1">
-            <a:schemeClr val="accent1"/>
-          </a:lnRef>
-          <a:fillRef idx="0">
-            <a:schemeClr val="accent1"/>
-          </a:fillRef>
-          <a:effectRef idx="0">
-            <a:schemeClr val="accent1"/>
-          </a:effectRef>
-          <a:fontRef idx="minor">
-            <a:schemeClr val="tx1"/>
-          </a:fontRef>
-        </p:style>
-      </p:cxnSp>
-      <p:cxnSp>
-        <p:nvCxnSpPr>
-          <p:cNvPr id="70" name="Straight Connector 69">
-            <a:extLst>
-              <a:ext uri="{FF2B5EF4-FFF2-40B4-BE49-F238E27FC236}">
-                <a16:creationId xmlns:a16="http://schemas.microsoft.com/office/drawing/2014/main" id="{6C032D16-C96F-167C-D4B4-79484D908A7F}"/>
-              </a:ext>
-            </a:extLst>
-          </p:cNvPr>
-          <p:cNvCxnSpPr>
-            <a:cxnSpLocks/>
-          </p:cNvCxnSpPr>
-          <p:nvPr/>
-        </p:nvCxnSpPr>
-        <p:spPr>
-          <a:xfrm flipV="1">
-            <a:off x="11273540" y="3042170"/>
-            <a:ext cx="0" cy="1037253"/>
-          </a:xfrm>
-          <a:prstGeom prst="line">
-            <a:avLst/>
-          </a:prstGeom>
-          <a:ln w="25400">
-            <a:solidFill>
-              <a:schemeClr val="tx1"/>
-            </a:solidFill>
-          </a:ln>
-        </p:spPr>
-        <p:style>
-          <a:lnRef idx="1">
-            <a:schemeClr val="accent1"/>
-          </a:lnRef>
-          <a:fillRef idx="0">
-            <a:schemeClr val="accent1"/>
-          </a:fillRef>
-          <a:effectRef idx="0">
-            <a:schemeClr val="accent1"/>
-          </a:effectRef>
-          <a:fontRef idx="minor">
-            <a:schemeClr val="tx1"/>
-          </a:fontRef>
-        </p:style>
-      </p:cxnSp>
-      <p:cxnSp>
-        <p:nvCxnSpPr>
-          <p:cNvPr id="71" name="Straight Connector 70">
-            <a:extLst>
-              <a:ext uri="{FF2B5EF4-FFF2-40B4-BE49-F238E27FC236}">
-                <a16:creationId xmlns:a16="http://schemas.microsoft.com/office/drawing/2014/main" id="{08FEDE58-96E5-167A-7781-2C2B02EEC6A0}"/>
-              </a:ext>
-            </a:extLst>
-          </p:cNvPr>
-          <p:cNvCxnSpPr>
-            <a:cxnSpLocks/>
-          </p:cNvCxnSpPr>
-          <p:nvPr/>
-        </p:nvCxnSpPr>
-        <p:spPr>
-          <a:xfrm flipV="1">
-            <a:off x="1384116" y="4061254"/>
-            <a:ext cx="0" cy="999444"/>
-          </a:xfrm>
-          <a:prstGeom prst="line">
-            <a:avLst/>
-          </a:prstGeom>
-          <a:ln w="25400">
-            <a:solidFill>
-              <a:schemeClr val="tx1"/>
-            </a:solidFill>
-          </a:ln>
-        </p:spPr>
-        <p:style>
-          <a:lnRef idx="1">
-            <a:schemeClr val="accent1"/>
-          </a:lnRef>
-          <a:fillRef idx="0">
-            <a:schemeClr val="accent1"/>
-          </a:fillRef>
-          <a:effectRef idx="0">
-            <a:schemeClr val="accent1"/>
-          </a:effectRef>
-          <a:fontRef idx="minor">
-            <a:schemeClr val="tx1"/>
-          </a:fontRef>
-        </p:style>
-      </p:cxnSp>
-      <p:cxnSp>
-        <p:nvCxnSpPr>
-          <p:cNvPr id="72" name="Straight Connector 71">
-            <a:extLst>
-              <a:ext uri="{FF2B5EF4-FFF2-40B4-BE49-F238E27FC236}">
-                <a16:creationId xmlns:a16="http://schemas.microsoft.com/office/drawing/2014/main" id="{49B9F994-A0E0-671A-7BAD-10B69721CAD9}"/>
-              </a:ext>
-            </a:extLst>
-          </p:cNvPr>
-          <p:cNvCxnSpPr>
-            <a:cxnSpLocks/>
-          </p:cNvCxnSpPr>
-          <p:nvPr/>
-        </p:nvCxnSpPr>
-        <p:spPr>
-          <a:xfrm flipH="1" flipV="1">
-            <a:off x="1384116" y="4061254"/>
-            <a:ext cx="9889424" cy="18169"/>
-          </a:xfrm>
-          <a:prstGeom prst="line">
-            <a:avLst/>
-          </a:prstGeom>
-          <a:ln w="25400">
-            <a:solidFill>
-              <a:schemeClr val="tx1"/>
-            </a:solidFill>
-          </a:ln>
-        </p:spPr>
-        <p:style>
-          <a:lnRef idx="1">
-            <a:schemeClr val="accent1"/>
-          </a:lnRef>
-          <a:fillRef idx="0">
-            <a:schemeClr val="accent1"/>
-          </a:fillRef>
-          <a:effectRef idx="0">
-            <a:schemeClr val="accent1"/>
-          </a:effectRef>
-          <a:fontRef idx="minor">
-            <a:schemeClr val="tx1"/>
-          </a:fontRef>
-        </p:style>
-      </p:cxnSp>
-      <p:cxnSp>
-        <p:nvCxnSpPr>
-          <p:cNvPr id="73" name="Straight Arrow Connector 72">
-            <a:extLst>
-              <a:ext uri="{FF2B5EF4-FFF2-40B4-BE49-F238E27FC236}">
-                <a16:creationId xmlns:a16="http://schemas.microsoft.com/office/drawing/2014/main" id="{72D29716-1DC9-F4C3-4E2A-2B04A9053D9D}"/>
-              </a:ext>
-            </a:extLst>
-          </p:cNvPr>
-          <p:cNvCxnSpPr/>
-          <p:nvPr/>
-        </p:nvCxnSpPr>
-        <p:spPr>
-          <a:xfrm>
-            <a:off x="6401307" y="5060698"/>
-            <a:ext cx="318895" cy="0"/>
-          </a:xfrm>
-          <a:prstGeom prst="straightConnector1">
-            <a:avLst/>
-          </a:prstGeom>
-          <a:ln w="25400">
-            <a:solidFill>
-              <a:schemeClr val="tx1"/>
-            </a:solidFill>
-            <a:tailEnd type="triangle"/>
-          </a:ln>
-        </p:spPr>
-        <p:style>
-          <a:lnRef idx="1">
-            <a:schemeClr val="accent1"/>
-          </a:lnRef>
-          <a:fillRef idx="0">
-            <a:schemeClr val="accent1"/>
-          </a:fillRef>
-          <a:effectRef idx="0">
-            <a:schemeClr val="accent1"/>
-          </a:effectRef>
-          <a:fontRef idx="minor">
-            <a:schemeClr val="tx1"/>
-          </a:fontRef>
-        </p:style>
-      </p:cxnSp>
-      <p:sp>
-        <p:nvSpPr>
-          <p:cNvPr id="74" name="Rectangle 73">
-            <a:extLst>
-              <a:ext uri="{FF2B5EF4-FFF2-40B4-BE49-F238E27FC236}">
-                <a16:creationId xmlns:a16="http://schemas.microsoft.com/office/drawing/2014/main" id="{A949599D-F543-9961-D542-42624F200715}"/>
-              </a:ext>
-            </a:extLst>
-          </p:cNvPr>
-          <p:cNvSpPr/>
-          <p:nvPr/>
-        </p:nvSpPr>
-        <p:spPr>
-          <a:xfrm>
-            <a:off x="1703011" y="4388796"/>
-            <a:ext cx="9656254" cy="1343803"/>
-          </a:xfrm>
-          <a:prstGeom prst="rect">
-            <a:avLst/>
-          </a:prstGeom>
-          <a:solidFill>
-            <a:srgbClr val="F5F5F5"/>
-          </a:solidFill>
-          <a:ln w="25400">
-            <a:solidFill>
-              <a:srgbClr val="188193"/>
-            </a:solidFill>
-          </a:ln>
-        </p:spPr>
-        <p:style>
-          <a:lnRef idx="2">
-            <a:schemeClr val="accent1">
-              <a:shade val="50000"/>
-            </a:schemeClr>
-          </a:lnRef>
-          <a:fillRef idx="1">
-            <a:schemeClr val="accent1"/>
-          </a:fillRef>
-          <a:effectRef idx="0">
-            <a:schemeClr val="accent1"/>
-          </a:effectRef>
-          <a:fontRef idx="minor">
-            <a:schemeClr val="lt1"/>
-          </a:fontRef>
-        </p:style>
-        <p:txBody>
-          <a:bodyPr rtlCol="0" anchor="t"/>
-          <a:lstStyle/>
-          <a:p>
-            <a:r>
-              <a:rPr lang="it-IT" sz="1200" b="1" dirty="0" err="1">
+              <a:t> </a:t>
+            </a:r>
+            <a:r>
+              <a:rPr lang="it-IT" sz="1200" dirty="0" err="1">
                 <a:solidFill>
-                  <a:srgbClr val="188193"/>
+                  <a:srgbClr val="35948E"/>
                 </a:solidFill>
-                <a:effectLst/>
                 <a:latin typeface="Cambria" panose="02040503050406030204" pitchFamily="18" charset="0"/>
                 <a:ea typeface="Cambria" panose="02040503050406030204" pitchFamily="18" charset="0"/>
               </a:rPr>
-              <a:t>Artifact-driven</a:t>
-            </a:r>
-            <a:r>
-              <a:rPr lang="it-IT" sz="1200" b="1" dirty="0">
-                <a:solidFill>
-                  <a:srgbClr val="188193"/>
-                </a:solidFill>
-                <a:effectLst/>
-                <a:latin typeface="Cambria" panose="02040503050406030204" pitchFamily="18" charset="0"/>
-                <a:ea typeface="Cambria" panose="02040503050406030204" pitchFamily="18" charset="0"/>
-              </a:rPr>
-              <a:t> </a:t>
-            </a:r>
-            <a:r>
-              <a:rPr lang="it-IT" sz="1200" b="1" dirty="0" err="1">
-                <a:solidFill>
-                  <a:srgbClr val="188193"/>
-                </a:solidFill>
-                <a:effectLst/>
-                <a:latin typeface="Cambria" panose="02040503050406030204" pitchFamily="18" charset="0"/>
-                <a:ea typeface="Cambria" panose="02040503050406030204" pitchFamily="18" charset="0"/>
-              </a:rPr>
-              <a:t>elicitation</a:t>
-            </a:r>
-            <a:r>
-              <a:rPr lang="it-IT" sz="1200" b="1" dirty="0">
-                <a:solidFill>
-                  <a:srgbClr val="188193"/>
-                </a:solidFill>
-                <a:effectLst/>
-                <a:latin typeface="Cambria" panose="02040503050406030204" pitchFamily="18" charset="0"/>
-                <a:ea typeface="Cambria" panose="02040503050406030204" pitchFamily="18" charset="0"/>
-              </a:rPr>
-              <a:t> </a:t>
-            </a:r>
-            <a:endParaRPr lang="it-IT" sz="1200" b="1" dirty="0">
+              <a:t>somministation</a:t>
+            </a:r>
+            <a:endParaRPr lang="it-IT" sz="1200" dirty="0">
               <a:solidFill>
-                <a:srgbClr val="188193"/>
+                <a:srgbClr val="35948E"/>
               </a:solidFill>
               <a:latin typeface="Cambria" panose="02040503050406030204" pitchFamily="18" charset="0"/>
               <a:ea typeface="Cambria" panose="02040503050406030204" pitchFamily="18" charset="0"/>
@@ -4946,10 +4661,10 @@
       </p:sp>
       <p:sp>
         <p:nvSpPr>
-          <p:cNvPr id="75" name="Rectangle 74">
-            <a:extLst>
-              <a:ext uri="{FF2B5EF4-FFF2-40B4-BE49-F238E27FC236}">
-                <a16:creationId xmlns:a16="http://schemas.microsoft.com/office/drawing/2014/main" id="{24B9E318-2F27-3829-D58E-2984863F89D0}"/>
+          <p:cNvPr id="76" name="Rectangle 75">
+            <a:extLst>
+              <a:ext uri="{FF2B5EF4-FFF2-40B4-BE49-F238E27FC236}">
+                <a16:creationId xmlns:a16="http://schemas.microsoft.com/office/drawing/2014/main" id="{BDCB842D-0B88-5455-8069-73C8E00853BF}"/>
               </a:ext>
             </a:extLst>
           </p:cNvPr>
@@ -4958,7 +4673,7 @@
         </p:nvSpPr>
         <p:spPr>
           <a:xfrm>
-            <a:off x="6720202" y="4778738"/>
+            <a:off x="9498980" y="5553184"/>
             <a:ext cx="2015021" cy="563920"/>
           </a:xfrm>
           <a:prstGeom prst="rect">
@@ -4995,6 +4710,16 @@
           <a:p>
             <a:pPr algn="ctr"/>
             <a:r>
+              <a:rPr lang="it-IT" sz="1200" dirty="0">
+                <a:solidFill>
+                  <a:srgbClr val="35948E"/>
+                </a:solidFill>
+                <a:latin typeface="Cambria" panose="02040503050406030204" pitchFamily="18" charset="0"/>
+                <a:ea typeface="Cambria" panose="02040503050406030204" pitchFamily="18" charset="0"/>
+              </a:rPr>
+              <a:t>Analysis of </a:t>
+            </a:r>
+            <a:r>
               <a:rPr lang="it-IT" sz="1200" dirty="0" err="1">
                 <a:solidFill>
                   <a:srgbClr val="35948E"/>
@@ -5002,27 +4727,7 @@
                 <a:latin typeface="Cambria" panose="02040503050406030204" pitchFamily="18" charset="0"/>
                 <a:ea typeface="Cambria" panose="02040503050406030204" pitchFamily="18" charset="0"/>
               </a:rPr>
-              <a:t>Questionnaire</a:t>
-            </a:r>
-            <a:r>
-              <a:rPr lang="it-IT" sz="1200" dirty="0">
-                <a:solidFill>
-                  <a:srgbClr val="35948E"/>
-                </a:solidFill>
-                <a:latin typeface="Cambria" panose="02040503050406030204" pitchFamily="18" charset="0"/>
-                <a:ea typeface="Cambria" panose="02040503050406030204" pitchFamily="18" charset="0"/>
-              </a:rPr>
-              <a:t> </a:t>
-            </a:r>
-            <a:r>
-              <a:rPr lang="it-IT" sz="1200" dirty="0" err="1">
-                <a:solidFill>
-                  <a:srgbClr val="35948E"/>
-                </a:solidFill>
-                <a:latin typeface="Cambria" panose="02040503050406030204" pitchFamily="18" charset="0"/>
-                <a:ea typeface="Cambria" panose="02040503050406030204" pitchFamily="18" charset="0"/>
-              </a:rPr>
-              <a:t>administration</a:t>
+              <a:t>results</a:t>
             </a:r>
             <a:endParaRPr lang="it-IT" sz="1200" dirty="0">
               <a:solidFill>
@@ -5034,12 +4739,58 @@
           </a:p>
         </p:txBody>
       </p:sp>
-      <p:sp>
-        <p:nvSpPr>
-          <p:cNvPr id="76" name="Rectangle 75">
-            <a:extLst>
-              <a:ext uri="{FF2B5EF4-FFF2-40B4-BE49-F238E27FC236}">
-                <a16:creationId xmlns:a16="http://schemas.microsoft.com/office/drawing/2014/main" id="{BDCB842D-0B88-5455-8069-73C8E00853BF}"/>
+      <p:cxnSp>
+        <p:nvCxnSpPr>
+          <p:cNvPr id="77" name="Straight Arrow Connector 76">
+            <a:extLst>
+              <a:ext uri="{FF2B5EF4-FFF2-40B4-BE49-F238E27FC236}">
+                <a16:creationId xmlns:a16="http://schemas.microsoft.com/office/drawing/2014/main" id="{1DC777EF-DEA4-CACD-46D2-6FACF2870B0A}"/>
+              </a:ext>
+            </a:extLst>
+          </p:cNvPr>
+          <p:cNvCxnSpPr>
+            <a:cxnSpLocks/>
+            <a:stCxn id="75" idx="3"/>
+            <a:endCxn id="76" idx="1"/>
+          </p:cNvCxnSpPr>
+          <p:nvPr/>
+        </p:nvCxnSpPr>
+        <p:spPr>
+          <a:xfrm>
+            <a:off x="9192428" y="5835144"/>
+            <a:ext cx="306552" cy="0"/>
+          </a:xfrm>
+          <a:prstGeom prst="straightConnector1">
+            <a:avLst/>
+          </a:prstGeom>
+          <a:ln w="25400">
+            <a:solidFill>
+              <a:schemeClr val="tx1"/>
+            </a:solidFill>
+            <a:tailEnd type="triangle"/>
+          </a:ln>
+        </p:spPr>
+        <p:style>
+          <a:lnRef idx="1">
+            <a:schemeClr val="accent1"/>
+          </a:lnRef>
+          <a:fillRef idx="0">
+            <a:schemeClr val="accent1"/>
+          </a:fillRef>
+          <a:effectRef idx="0">
+            <a:schemeClr val="accent1"/>
+          </a:effectRef>
+          <a:fontRef idx="minor">
+            <a:schemeClr val="tx1"/>
+          </a:fontRef>
+        </p:style>
+      </p:cxnSp>
+      <p:sp>
+        <p:nvSpPr>
+          <p:cNvPr id="79" name="Rectangle 78">
+            <a:extLst>
+              <a:ext uri="{FF2B5EF4-FFF2-40B4-BE49-F238E27FC236}">
+                <a16:creationId xmlns:a16="http://schemas.microsoft.com/office/drawing/2014/main" id="{5CE45102-6323-24A2-4B3F-5B3EEC7C89AA}"/>
               </a:ext>
             </a:extLst>
           </p:cNvPr>
@@ -5048,7 +4799,7 @@
         </p:nvSpPr>
         <p:spPr>
           <a:xfrm>
-            <a:off x="9041775" y="4778738"/>
+            <a:off x="4823181" y="5553184"/>
             <a:ext cx="2015021" cy="563920"/>
           </a:xfrm>
           <a:prstGeom prst="rect">
@@ -5085,6 +4836,16 @@
           <a:p>
             <a:pPr algn="ctr"/>
             <a:r>
+              <a:rPr lang="it-IT" sz="1200" dirty="0" err="1">
+                <a:solidFill>
+                  <a:srgbClr val="35948E"/>
+                </a:solidFill>
+                <a:latin typeface="Cambria" panose="02040503050406030204" pitchFamily="18" charset="0"/>
+                <a:ea typeface="Cambria" panose="02040503050406030204" pitchFamily="18" charset="0"/>
+              </a:rPr>
+              <a:t>Questionnaire</a:t>
+            </a:r>
+            <a:r>
               <a:rPr lang="it-IT" sz="1200" dirty="0">
                 <a:solidFill>
                   <a:srgbClr val="35948E"/>
@@ -5092,48 +4853,68 @@
                 <a:latin typeface="Cambria" panose="02040503050406030204" pitchFamily="18" charset="0"/>
                 <a:ea typeface="Cambria" panose="02040503050406030204" pitchFamily="18" charset="0"/>
               </a:rPr>
-              <a:t>Analysis of </a:t>
-            </a:r>
-            <a:r>
-              <a:rPr lang="it-IT" sz="1200" dirty="0" err="1">
-                <a:solidFill>
-                  <a:srgbClr val="35948E"/>
-                </a:solidFill>
-                <a:latin typeface="Cambria" panose="02040503050406030204" pitchFamily="18" charset="0"/>
-                <a:ea typeface="Cambria" panose="02040503050406030204" pitchFamily="18" charset="0"/>
-              </a:rPr>
-              <a:t>results</a:t>
-            </a:r>
-            <a:endParaRPr lang="it-IT" sz="1200" dirty="0">
-              <a:solidFill>
-                <a:srgbClr val="35948E"/>
-              </a:solidFill>
-              <a:latin typeface="Cambria" panose="02040503050406030204" pitchFamily="18" charset="0"/>
-              <a:ea typeface="Cambria" panose="02040503050406030204" pitchFamily="18" charset="0"/>
-            </a:endParaRPr>
+              <a:t> generation</a:t>
+            </a:r>
           </a:p>
         </p:txBody>
       </p:sp>
       <p:cxnSp>
         <p:nvCxnSpPr>
-          <p:cNvPr id="77" name="Straight Arrow Connector 76">
-            <a:extLst>
-              <a:ext uri="{FF2B5EF4-FFF2-40B4-BE49-F238E27FC236}">
-                <a16:creationId xmlns:a16="http://schemas.microsoft.com/office/drawing/2014/main" id="{1DC777EF-DEA4-CACD-46D2-6FACF2870B0A}"/>
-              </a:ext>
-            </a:extLst>
-          </p:cNvPr>
-          <p:cNvCxnSpPr>
-            <a:cxnSpLocks/>
-            <a:stCxn id="75" idx="3"/>
-            <a:endCxn id="76" idx="1"/>
-          </p:cNvCxnSpPr>
+          <p:cNvPr id="81" name="Straight Connector 80">
+            <a:extLst>
+              <a:ext uri="{FF2B5EF4-FFF2-40B4-BE49-F238E27FC236}">
+                <a16:creationId xmlns:a16="http://schemas.microsoft.com/office/drawing/2014/main" id="{19C0101D-BCC3-85BE-98B0-626832044DCD}"/>
+              </a:ext>
+            </a:extLst>
+          </p:cNvPr>
+          <p:cNvCxnSpPr/>
           <p:nvPr/>
         </p:nvCxnSpPr>
         <p:spPr>
+          <a:xfrm flipH="1">
+            <a:off x="4526154" y="5835143"/>
+            <a:ext cx="297027" cy="0"/>
+          </a:xfrm>
+          <a:prstGeom prst="line">
+            <a:avLst/>
+          </a:prstGeom>
+          <a:ln w="25400">
+            <a:solidFill>
+              <a:schemeClr val="tx1"/>
+            </a:solidFill>
+          </a:ln>
+        </p:spPr>
+        <p:style>
+          <a:lnRef idx="1">
+            <a:schemeClr val="accent1"/>
+          </a:lnRef>
+          <a:fillRef idx="0">
+            <a:schemeClr val="accent1"/>
+          </a:fillRef>
+          <a:effectRef idx="0">
+            <a:schemeClr val="accent1"/>
+          </a:effectRef>
+          <a:fontRef idx="minor">
+            <a:schemeClr val="tx1"/>
+          </a:fontRef>
+        </p:style>
+      </p:cxnSp>
+      <p:cxnSp>
+        <p:nvCxnSpPr>
+          <p:cNvPr id="82" name="Straight Arrow Connector 81">
+            <a:extLst>
+              <a:ext uri="{FF2B5EF4-FFF2-40B4-BE49-F238E27FC236}">
+                <a16:creationId xmlns:a16="http://schemas.microsoft.com/office/drawing/2014/main" id="{E1AEE378-6F7C-5971-4332-A0CC75FE9F8A}"/>
+              </a:ext>
+            </a:extLst>
+          </p:cNvPr>
+          <p:cNvCxnSpPr/>
+          <p:nvPr/>
+        </p:nvCxnSpPr>
+        <p:spPr>
           <a:xfrm>
-            <a:off x="8735223" y="5060698"/>
-            <a:ext cx="306552" cy="0"/>
+            <a:off x="4201972" y="5835144"/>
+            <a:ext cx="318895" cy="0"/>
           </a:xfrm>
           <a:prstGeom prst="straightConnector1">
             <a:avLst/>
@@ -5162,10 +4943,53 @@
       </p:cxnSp>
       <p:cxnSp>
         <p:nvCxnSpPr>
-          <p:cNvPr id="78" name="Straight Arrow Connector 77">
-            <a:extLst>
-              <a:ext uri="{FF2B5EF4-FFF2-40B4-BE49-F238E27FC236}">
-                <a16:creationId xmlns:a16="http://schemas.microsoft.com/office/drawing/2014/main" id="{F78F0D42-EB85-7FE2-C058-9C680C7CF908}"/>
+          <p:cNvPr id="83" name="Straight Connector 82">
+            <a:extLst>
+              <a:ext uri="{FF2B5EF4-FFF2-40B4-BE49-F238E27FC236}">
+                <a16:creationId xmlns:a16="http://schemas.microsoft.com/office/drawing/2014/main" id="{81954045-F55D-60D6-E2FA-1134BD7F9570}"/>
+              </a:ext>
+            </a:extLst>
+          </p:cNvPr>
+          <p:cNvCxnSpPr>
+            <a:cxnSpLocks/>
+          </p:cNvCxnSpPr>
+          <p:nvPr/>
+        </p:nvCxnSpPr>
+        <p:spPr>
+          <a:xfrm flipH="1">
+            <a:off x="11518569" y="5835144"/>
+            <a:ext cx="323657" cy="0"/>
+          </a:xfrm>
+          <a:prstGeom prst="line">
+            <a:avLst/>
+          </a:prstGeom>
+          <a:ln w="25400">
+            <a:solidFill>
+              <a:schemeClr val="tx1"/>
+            </a:solidFill>
+          </a:ln>
+        </p:spPr>
+        <p:style>
+          <a:lnRef idx="1">
+            <a:schemeClr val="accent1"/>
+          </a:lnRef>
+          <a:fillRef idx="0">
+            <a:schemeClr val="accent1"/>
+          </a:fillRef>
+          <a:effectRef idx="0">
+            <a:schemeClr val="accent1"/>
+          </a:effectRef>
+          <a:fontRef idx="minor">
+            <a:schemeClr val="tx1"/>
+          </a:fontRef>
+        </p:style>
+      </p:cxnSp>
+      <p:cxnSp>
+        <p:nvCxnSpPr>
+          <p:cNvPr id="88" name="Straight Arrow Connector 87">
+            <a:extLst>
+              <a:ext uri="{FF2B5EF4-FFF2-40B4-BE49-F238E27FC236}">
+                <a16:creationId xmlns:a16="http://schemas.microsoft.com/office/drawing/2014/main" id="{3A68728D-D357-8F67-005F-6814051B59FB}"/>
               </a:ext>
             </a:extLst>
           </p:cNvPr>
@@ -5174,7 +4998,7 @@
         </p:nvCxnSpPr>
         <p:spPr>
           <a:xfrm>
-            <a:off x="4047081" y="5060698"/>
+            <a:off x="6423136" y="3823134"/>
             <a:ext cx="318895" cy="0"/>
           </a:xfrm>
           <a:prstGeom prst="straightConnector1">
@@ -5202,12 +5026,434 @@
           </a:fontRef>
         </p:style>
       </p:cxnSp>
-      <p:sp>
-        <p:nvSpPr>
-          <p:cNvPr id="79" name="Rectangle 78">
-            <a:extLst>
-              <a:ext uri="{FF2B5EF4-FFF2-40B4-BE49-F238E27FC236}">
-                <a16:creationId xmlns:a16="http://schemas.microsoft.com/office/drawing/2014/main" id="{5CE45102-6323-24A2-4B3F-5B3EEC7C89AA}"/>
+      <p:cxnSp>
+        <p:nvCxnSpPr>
+          <p:cNvPr id="89" name="Straight Arrow Connector 88">
+            <a:extLst>
+              <a:ext uri="{FF2B5EF4-FFF2-40B4-BE49-F238E27FC236}">
+                <a16:creationId xmlns:a16="http://schemas.microsoft.com/office/drawing/2014/main" id="{704E6425-96D3-0584-042C-18BC83F6F76B}"/>
+              </a:ext>
+            </a:extLst>
+          </p:cNvPr>
+          <p:cNvCxnSpPr/>
+          <p:nvPr/>
+        </p:nvCxnSpPr>
+        <p:spPr>
+          <a:xfrm>
+            <a:off x="6866486" y="5835144"/>
+            <a:ext cx="318895" cy="0"/>
+          </a:xfrm>
+          <a:prstGeom prst="straightConnector1">
+            <a:avLst/>
+          </a:prstGeom>
+          <a:ln w="25400">
+            <a:solidFill>
+              <a:schemeClr val="tx1"/>
+            </a:solidFill>
+            <a:tailEnd type="triangle"/>
+          </a:ln>
+        </p:spPr>
+        <p:style>
+          <a:lnRef idx="1">
+            <a:schemeClr val="accent1"/>
+          </a:lnRef>
+          <a:fillRef idx="0">
+            <a:schemeClr val="accent1"/>
+          </a:fillRef>
+          <a:effectRef idx="0">
+            <a:schemeClr val="accent1"/>
+          </a:effectRef>
+          <a:fontRef idx="minor">
+            <a:schemeClr val="tx1"/>
+          </a:fontRef>
+        </p:style>
+      </p:cxnSp>
+      <p:sp>
+        <p:nvSpPr>
+          <p:cNvPr id="90" name="TextBox 89">
+            <a:extLst>
+              <a:ext uri="{FF2B5EF4-FFF2-40B4-BE49-F238E27FC236}">
+                <a16:creationId xmlns:a16="http://schemas.microsoft.com/office/drawing/2014/main" id="{A1394568-F2BE-77F6-E7AA-EA7A4569CE17}"/>
+              </a:ext>
+            </a:extLst>
+          </p:cNvPr>
+          <p:cNvSpPr txBox="1"/>
+          <p:nvPr/>
+        </p:nvSpPr>
+        <p:spPr>
+          <a:xfrm>
+            <a:off x="277635" y="1014996"/>
+            <a:ext cx="682278" cy="461665"/>
+          </a:xfrm>
+          <a:prstGeom prst="rect">
+            <a:avLst/>
+          </a:prstGeom>
+          <a:noFill/>
+        </p:spPr>
+        <p:txBody>
+          <a:bodyPr wrap="square" rtlCol="0">
+            <a:spAutoFit/>
+          </a:bodyPr>
+          <a:lstStyle/>
+          <a:p>
+            <a:r>
+              <a:rPr lang="it-IT" sz="2400" b="1" dirty="0">
+                <a:latin typeface="Cambria" panose="02040503050406030204" pitchFamily="18" charset="0"/>
+                <a:ea typeface="Cambria" panose="02040503050406030204" pitchFamily="18" charset="0"/>
+              </a:rPr>
+              <a:t>…</a:t>
+            </a:r>
+          </a:p>
+        </p:txBody>
+      </p:sp>
+      <p:cxnSp>
+        <p:nvCxnSpPr>
+          <p:cNvPr id="3" name="Straight Connector 2">
+            <a:extLst>
+              <a:ext uri="{FF2B5EF4-FFF2-40B4-BE49-F238E27FC236}">
+                <a16:creationId xmlns:a16="http://schemas.microsoft.com/office/drawing/2014/main" id="{C0F12564-E4E6-A972-2EBD-F75EACDB96C0}"/>
+              </a:ext>
+            </a:extLst>
+          </p:cNvPr>
+          <p:cNvCxnSpPr/>
+          <p:nvPr/>
+        </p:nvCxnSpPr>
+        <p:spPr>
+          <a:xfrm flipH="1">
+            <a:off x="4091016" y="3816616"/>
+            <a:ext cx="297027" cy="0"/>
+          </a:xfrm>
+          <a:prstGeom prst="line">
+            <a:avLst/>
+          </a:prstGeom>
+          <a:ln w="25400">
+            <a:solidFill>
+              <a:schemeClr val="tx1"/>
+            </a:solidFill>
+          </a:ln>
+        </p:spPr>
+        <p:style>
+          <a:lnRef idx="1">
+            <a:schemeClr val="accent1"/>
+          </a:lnRef>
+          <a:fillRef idx="0">
+            <a:schemeClr val="accent1"/>
+          </a:fillRef>
+          <a:effectRef idx="0">
+            <a:schemeClr val="accent1"/>
+          </a:effectRef>
+          <a:fontRef idx="minor">
+            <a:schemeClr val="tx1"/>
+          </a:fontRef>
+        </p:style>
+      </p:cxnSp>
+      <p:cxnSp>
+        <p:nvCxnSpPr>
+          <p:cNvPr id="35" name="Straight Connector 34">
+            <a:extLst>
+              <a:ext uri="{FF2B5EF4-FFF2-40B4-BE49-F238E27FC236}">
+                <a16:creationId xmlns:a16="http://schemas.microsoft.com/office/drawing/2014/main" id="{79D4AB10-1786-3052-BB7E-B8890A08E05E}"/>
+              </a:ext>
+            </a:extLst>
+          </p:cNvPr>
+          <p:cNvCxnSpPr>
+            <a:cxnSpLocks/>
+          </p:cNvCxnSpPr>
+          <p:nvPr/>
+        </p:nvCxnSpPr>
+        <p:spPr>
+          <a:xfrm flipH="1">
+            <a:off x="3309652" y="1089147"/>
+            <a:ext cx="323657" cy="0"/>
+          </a:xfrm>
+          <a:prstGeom prst="line">
+            <a:avLst/>
+          </a:prstGeom>
+          <a:ln w="25400">
+            <a:solidFill>
+              <a:schemeClr val="tx1"/>
+            </a:solidFill>
+          </a:ln>
+        </p:spPr>
+        <p:style>
+          <a:lnRef idx="1">
+            <a:schemeClr val="accent1"/>
+          </a:lnRef>
+          <a:fillRef idx="0">
+            <a:schemeClr val="accent1"/>
+          </a:fillRef>
+          <a:effectRef idx="0">
+            <a:schemeClr val="accent1"/>
+          </a:effectRef>
+          <a:fontRef idx="minor">
+            <a:schemeClr val="tx1"/>
+          </a:fontRef>
+        </p:style>
+      </p:cxnSp>
+      <p:cxnSp>
+        <p:nvCxnSpPr>
+          <p:cNvPr id="36" name="Straight Connector 35">
+            <a:extLst>
+              <a:ext uri="{FF2B5EF4-FFF2-40B4-BE49-F238E27FC236}">
+                <a16:creationId xmlns:a16="http://schemas.microsoft.com/office/drawing/2014/main" id="{2E079D63-68B3-518D-09CC-8647217BDD41}"/>
+              </a:ext>
+            </a:extLst>
+          </p:cNvPr>
+          <p:cNvCxnSpPr>
+            <a:cxnSpLocks/>
+          </p:cNvCxnSpPr>
+          <p:nvPr/>
+        </p:nvCxnSpPr>
+        <p:spPr>
+          <a:xfrm flipH="1">
+            <a:off x="3313251" y="1754062"/>
+            <a:ext cx="323657" cy="0"/>
+          </a:xfrm>
+          <a:prstGeom prst="line">
+            <a:avLst/>
+          </a:prstGeom>
+          <a:ln w="25400">
+            <a:solidFill>
+              <a:schemeClr val="tx1"/>
+            </a:solidFill>
+          </a:ln>
+        </p:spPr>
+        <p:style>
+          <a:lnRef idx="1">
+            <a:schemeClr val="accent1"/>
+          </a:lnRef>
+          <a:fillRef idx="0">
+            <a:schemeClr val="accent1"/>
+          </a:fillRef>
+          <a:effectRef idx="0">
+            <a:schemeClr val="accent1"/>
+          </a:effectRef>
+          <a:fontRef idx="minor">
+            <a:schemeClr val="tx1"/>
+          </a:fontRef>
+        </p:style>
+      </p:cxnSp>
+      <p:cxnSp>
+        <p:nvCxnSpPr>
+          <p:cNvPr id="37" name="Straight Connector 36">
+            <a:extLst>
+              <a:ext uri="{FF2B5EF4-FFF2-40B4-BE49-F238E27FC236}">
+                <a16:creationId xmlns:a16="http://schemas.microsoft.com/office/drawing/2014/main" id="{8475C948-F15F-C989-0AE0-85F92E7EFCC9}"/>
+              </a:ext>
+            </a:extLst>
+          </p:cNvPr>
+          <p:cNvCxnSpPr>
+            <a:cxnSpLocks/>
+          </p:cNvCxnSpPr>
+          <p:nvPr/>
+        </p:nvCxnSpPr>
+        <p:spPr>
+          <a:xfrm>
+            <a:off x="3633309" y="1087837"/>
+            <a:ext cx="0" cy="669020"/>
+          </a:xfrm>
+          <a:prstGeom prst="line">
+            <a:avLst/>
+          </a:prstGeom>
+          <a:ln w="25400">
+            <a:solidFill>
+              <a:schemeClr val="tx1"/>
+            </a:solidFill>
+          </a:ln>
+        </p:spPr>
+        <p:style>
+          <a:lnRef idx="1">
+            <a:schemeClr val="accent1"/>
+          </a:lnRef>
+          <a:fillRef idx="0">
+            <a:schemeClr val="accent1"/>
+          </a:fillRef>
+          <a:effectRef idx="0">
+            <a:schemeClr val="accent1"/>
+          </a:effectRef>
+          <a:fontRef idx="minor">
+            <a:schemeClr val="tx1"/>
+          </a:fontRef>
+        </p:style>
+      </p:cxnSp>
+      <p:cxnSp>
+        <p:nvCxnSpPr>
+          <p:cNvPr id="40" name="Straight Connector 39">
+            <a:extLst>
+              <a:ext uri="{FF2B5EF4-FFF2-40B4-BE49-F238E27FC236}">
+                <a16:creationId xmlns:a16="http://schemas.microsoft.com/office/drawing/2014/main" id="{FB54746D-8BB4-130D-EC52-7EABC84AB48D}"/>
+              </a:ext>
+            </a:extLst>
+          </p:cNvPr>
+          <p:cNvCxnSpPr>
+            <a:cxnSpLocks/>
+          </p:cNvCxnSpPr>
+          <p:nvPr/>
+        </p:nvCxnSpPr>
+        <p:spPr>
+          <a:xfrm flipH="1">
+            <a:off x="972838" y="1754062"/>
+            <a:ext cx="323657" cy="0"/>
+          </a:xfrm>
+          <a:prstGeom prst="line">
+            <a:avLst/>
+          </a:prstGeom>
+          <a:ln w="25400">
+            <a:solidFill>
+              <a:schemeClr val="tx1"/>
+            </a:solidFill>
+          </a:ln>
+        </p:spPr>
+        <p:style>
+          <a:lnRef idx="1">
+            <a:schemeClr val="accent1"/>
+          </a:lnRef>
+          <a:fillRef idx="0">
+            <a:schemeClr val="accent1"/>
+          </a:fillRef>
+          <a:effectRef idx="0">
+            <a:schemeClr val="accent1"/>
+          </a:effectRef>
+          <a:fontRef idx="minor">
+            <a:schemeClr val="tx1"/>
+          </a:fontRef>
+        </p:style>
+      </p:cxnSp>
+      <p:cxnSp>
+        <p:nvCxnSpPr>
+          <p:cNvPr id="42" name="Straight Connector 41">
+            <a:extLst>
+              <a:ext uri="{FF2B5EF4-FFF2-40B4-BE49-F238E27FC236}">
+                <a16:creationId xmlns:a16="http://schemas.microsoft.com/office/drawing/2014/main" id="{0EC441A0-3BF7-AA4B-CC58-AD21A4F3878B}"/>
+              </a:ext>
+            </a:extLst>
+          </p:cNvPr>
+          <p:cNvCxnSpPr>
+            <a:cxnSpLocks/>
+          </p:cNvCxnSpPr>
+          <p:nvPr/>
+        </p:nvCxnSpPr>
+        <p:spPr>
+          <a:xfrm flipH="1">
+            <a:off x="963511" y="1087837"/>
+            <a:ext cx="323657" cy="0"/>
+          </a:xfrm>
+          <a:prstGeom prst="line">
+            <a:avLst/>
+          </a:prstGeom>
+          <a:ln w="25400">
+            <a:solidFill>
+              <a:schemeClr val="tx1"/>
+            </a:solidFill>
+          </a:ln>
+        </p:spPr>
+        <p:style>
+          <a:lnRef idx="1">
+            <a:schemeClr val="accent1"/>
+          </a:lnRef>
+          <a:fillRef idx="0">
+            <a:schemeClr val="accent1"/>
+          </a:fillRef>
+          <a:effectRef idx="0">
+            <a:schemeClr val="accent1"/>
+          </a:effectRef>
+          <a:fontRef idx="minor">
+            <a:schemeClr val="tx1"/>
+          </a:fontRef>
+        </p:style>
+      </p:cxnSp>
+      <p:cxnSp>
+        <p:nvCxnSpPr>
+          <p:cNvPr id="43" name="Straight Connector 42">
+            <a:extLst>
+              <a:ext uri="{FF2B5EF4-FFF2-40B4-BE49-F238E27FC236}">
+                <a16:creationId xmlns:a16="http://schemas.microsoft.com/office/drawing/2014/main" id="{BD41A971-5F3D-F8DF-DE55-F75EEA77E43B}"/>
+              </a:ext>
+            </a:extLst>
+          </p:cNvPr>
+          <p:cNvCxnSpPr>
+            <a:cxnSpLocks/>
+          </p:cNvCxnSpPr>
+          <p:nvPr/>
+        </p:nvCxnSpPr>
+        <p:spPr>
+          <a:xfrm>
+            <a:off x="963511" y="1087837"/>
+            <a:ext cx="0" cy="669020"/>
+          </a:xfrm>
+          <a:prstGeom prst="line">
+            <a:avLst/>
+          </a:prstGeom>
+          <a:ln w="25400">
+            <a:solidFill>
+              <a:schemeClr val="tx1"/>
+            </a:solidFill>
+          </a:ln>
+        </p:spPr>
+        <p:style>
+          <a:lnRef idx="1">
+            <a:schemeClr val="accent1"/>
+          </a:lnRef>
+          <a:fillRef idx="0">
+            <a:schemeClr val="accent1"/>
+          </a:fillRef>
+          <a:effectRef idx="0">
+            <a:schemeClr val="accent1"/>
+          </a:effectRef>
+          <a:fontRef idx="minor">
+            <a:schemeClr val="tx1"/>
+          </a:fontRef>
+        </p:style>
+      </p:cxnSp>
+      <p:cxnSp>
+        <p:nvCxnSpPr>
+          <p:cNvPr id="44" name="Straight Connector 43">
+            <a:extLst>
+              <a:ext uri="{FF2B5EF4-FFF2-40B4-BE49-F238E27FC236}">
+                <a16:creationId xmlns:a16="http://schemas.microsoft.com/office/drawing/2014/main" id="{76CB66BF-F53B-B475-30EF-DFD69882D1E8}"/>
+              </a:ext>
+            </a:extLst>
+          </p:cNvPr>
+          <p:cNvCxnSpPr>
+            <a:cxnSpLocks/>
+          </p:cNvCxnSpPr>
+          <p:nvPr/>
+        </p:nvCxnSpPr>
+        <p:spPr>
+          <a:xfrm flipH="1">
+            <a:off x="639854" y="1397790"/>
+            <a:ext cx="323657" cy="0"/>
+          </a:xfrm>
+          <a:prstGeom prst="line">
+            <a:avLst/>
+          </a:prstGeom>
+          <a:ln w="25400">
+            <a:solidFill>
+              <a:schemeClr val="tx1"/>
+            </a:solidFill>
+          </a:ln>
+        </p:spPr>
+        <p:style>
+          <a:lnRef idx="1">
+            <a:schemeClr val="accent1"/>
+          </a:lnRef>
+          <a:fillRef idx="0">
+            <a:schemeClr val="accent1"/>
+          </a:fillRef>
+          <a:effectRef idx="0">
+            <a:schemeClr val="accent1"/>
+          </a:effectRef>
+          <a:fontRef idx="minor">
+            <a:schemeClr val="tx1"/>
+          </a:fontRef>
+        </p:style>
+      </p:cxnSp>
+      <p:sp>
+        <p:nvSpPr>
+          <p:cNvPr id="94" name="Rectangle 93">
+            <a:extLst>
+              <a:ext uri="{FF2B5EF4-FFF2-40B4-BE49-F238E27FC236}">
+                <a16:creationId xmlns:a16="http://schemas.microsoft.com/office/drawing/2014/main" id="{82D2859C-7843-544E-D1C9-470995DFAEF9}"/>
               </a:ext>
             </a:extLst>
           </p:cNvPr>
@@ -5216,7 +5462,7 @@
         </p:nvSpPr>
         <p:spPr>
           <a:xfrm>
-            <a:off x="4365976" y="4778738"/>
+            <a:off x="3949335" y="1123621"/>
             <a:ext cx="2015021" cy="563920"/>
           </a:xfrm>
           <a:prstGeom prst="rect">
@@ -5253,6 +5499,16 @@
           <a:p>
             <a:pPr algn="ctr"/>
             <a:r>
+              <a:rPr lang="it-IT" sz="1200" dirty="0">
+                <a:solidFill>
+                  <a:srgbClr val="35948E"/>
+                </a:solidFill>
+                <a:latin typeface="Cambria" panose="02040503050406030204" pitchFamily="18" charset="0"/>
+                <a:ea typeface="Cambria" panose="02040503050406030204" pitchFamily="18" charset="0"/>
+              </a:rPr>
+              <a:t>Analysis of </a:t>
+            </a:r>
+            <a:r>
               <a:rPr lang="it-IT" sz="1200" dirty="0" err="1">
                 <a:solidFill>
                   <a:srgbClr val="35948E"/>
@@ -5260,141 +5516,36 @@
                 <a:latin typeface="Cambria" panose="02040503050406030204" pitchFamily="18" charset="0"/>
                 <a:ea typeface="Cambria" panose="02040503050406030204" pitchFamily="18" charset="0"/>
               </a:rPr>
-              <a:t>Questionnaire</a:t>
-            </a:r>
-            <a:r>
-              <a:rPr lang="it-IT" sz="1200" dirty="0">
-                <a:solidFill>
-                  <a:srgbClr val="35948E"/>
-                </a:solidFill>
-                <a:latin typeface="Cambria" panose="02040503050406030204" pitchFamily="18" charset="0"/>
-                <a:ea typeface="Cambria" panose="02040503050406030204" pitchFamily="18" charset="0"/>
-              </a:rPr>
-              <a:t> generation</a:t>
-            </a:r>
-          </a:p>
-        </p:txBody>
-      </p:sp>
-      <p:sp>
-        <p:nvSpPr>
-          <p:cNvPr id="80" name="Rectangle 79">
-            <a:extLst>
-              <a:ext uri="{FF2B5EF4-FFF2-40B4-BE49-F238E27FC236}">
-                <a16:creationId xmlns:a16="http://schemas.microsoft.com/office/drawing/2014/main" id="{E94FFF8E-0271-08B7-7030-DBE2A5EC5D60}"/>
-              </a:ext>
-            </a:extLst>
-          </p:cNvPr>
-          <p:cNvSpPr/>
-          <p:nvPr/>
-        </p:nvSpPr>
-        <p:spPr>
-          <a:xfrm>
-            <a:off x="2021905" y="4751325"/>
-            <a:ext cx="2015021" cy="563920"/>
-          </a:xfrm>
-          <a:prstGeom prst="rect">
-            <a:avLst/>
-          </a:prstGeom>
-          <a:solidFill>
-            <a:srgbClr val="E8E8E8"/>
-          </a:solidFill>
-          <a:ln w="25400">
-            <a:solidFill>
-              <a:srgbClr val="35948E"/>
-            </a:solidFill>
-          </a:ln>
-        </p:spPr>
-        <p:style>
-          <a:lnRef idx="2">
-            <a:schemeClr val="accent1">
-              <a:shade val="50000"/>
-            </a:schemeClr>
-          </a:lnRef>
-          <a:fillRef idx="1">
-            <a:schemeClr val="accent1"/>
-          </a:fillRef>
-          <a:effectRef idx="0">
-            <a:schemeClr val="accent1"/>
-          </a:effectRef>
-          <a:fontRef idx="minor">
-            <a:schemeClr val="lt1"/>
-          </a:fontRef>
-        </p:style>
-        <p:txBody>
-          <a:bodyPr rtlCol="0" anchor="ctr"/>
-          <a:lstStyle/>
-          <a:p>
-            <a:pPr algn="ctr"/>
-            <a:r>
-              <a:rPr lang="it-IT" sz="1200" dirty="0">
-                <a:solidFill>
-                  <a:srgbClr val="35948E"/>
-                </a:solidFill>
-                <a:latin typeface="Cambria" panose="02040503050406030204" pitchFamily="18" charset="0"/>
-                <a:ea typeface="Cambria" panose="02040503050406030204" pitchFamily="18" charset="0"/>
-              </a:rPr>
-              <a:t>Background study</a:t>
-            </a:r>
+              <a:t>results</a:t>
+            </a:r>
+            <a:endParaRPr lang="it-IT" sz="1200" dirty="0">
+              <a:solidFill>
+                <a:srgbClr val="35948E"/>
+              </a:solidFill>
+              <a:latin typeface="Cambria" panose="02040503050406030204" pitchFamily="18" charset="0"/>
+              <a:ea typeface="Cambria" panose="02040503050406030204" pitchFamily="18" charset="0"/>
+            </a:endParaRPr>
           </a:p>
         </p:txBody>
       </p:sp>
       <p:cxnSp>
         <p:nvCxnSpPr>
-          <p:cNvPr id="81" name="Straight Connector 80">
-            <a:extLst>
-              <a:ext uri="{FF2B5EF4-FFF2-40B4-BE49-F238E27FC236}">
-                <a16:creationId xmlns:a16="http://schemas.microsoft.com/office/drawing/2014/main" id="{19C0101D-BCC3-85BE-98B0-626832044DCD}"/>
-              </a:ext>
-            </a:extLst>
-          </p:cNvPr>
-          <p:cNvCxnSpPr/>
+          <p:cNvPr id="95" name="Straight Arrow Connector 94">
+            <a:extLst>
+              <a:ext uri="{FF2B5EF4-FFF2-40B4-BE49-F238E27FC236}">
+                <a16:creationId xmlns:a16="http://schemas.microsoft.com/office/drawing/2014/main" id="{C9A8F910-B036-6300-D605-F5943C5F14F0}"/>
+              </a:ext>
+            </a:extLst>
+          </p:cNvPr>
+          <p:cNvCxnSpPr>
+            <a:cxnSpLocks/>
+          </p:cNvCxnSpPr>
           <p:nvPr/>
         </p:nvCxnSpPr>
         <p:spPr>
-          <a:xfrm flipH="1">
-            <a:off x="1717342" y="5064393"/>
-            <a:ext cx="297027" cy="0"/>
-          </a:xfrm>
-          <a:prstGeom prst="line">
-            <a:avLst/>
-          </a:prstGeom>
-          <a:ln w="25400">
-            <a:solidFill>
-              <a:schemeClr val="tx1"/>
-            </a:solidFill>
-          </a:ln>
-        </p:spPr>
-        <p:style>
-          <a:lnRef idx="1">
-            <a:schemeClr val="accent1"/>
-          </a:lnRef>
-          <a:fillRef idx="0">
-            <a:schemeClr val="accent1"/>
-          </a:fillRef>
-          <a:effectRef idx="0">
-            <a:schemeClr val="accent1"/>
-          </a:effectRef>
-          <a:fontRef idx="minor">
-            <a:schemeClr val="tx1"/>
-          </a:fontRef>
-        </p:style>
-      </p:cxnSp>
-      <p:cxnSp>
-        <p:nvCxnSpPr>
-          <p:cNvPr id="82" name="Straight Arrow Connector 81">
-            <a:extLst>
-              <a:ext uri="{FF2B5EF4-FFF2-40B4-BE49-F238E27FC236}">
-                <a16:creationId xmlns:a16="http://schemas.microsoft.com/office/drawing/2014/main" id="{E1AEE378-6F7C-5971-4332-A0CC75FE9F8A}"/>
-              </a:ext>
-            </a:extLst>
-          </p:cNvPr>
-          <p:cNvCxnSpPr/>
-          <p:nvPr/>
-        </p:nvCxnSpPr>
-        <p:spPr>
           <a:xfrm>
-            <a:off x="1384116" y="5060698"/>
-            <a:ext cx="318895" cy="0"/>
+            <a:off x="3643409" y="1405581"/>
+            <a:ext cx="306552" cy="0"/>
           </a:xfrm>
           <a:prstGeom prst="straightConnector1">
             <a:avLst/>
@@ -5423,10 +5574,10 @@
       </p:cxnSp>
       <p:cxnSp>
         <p:nvCxnSpPr>
-          <p:cNvPr id="83" name="Straight Connector 82">
-            <a:extLst>
-              <a:ext uri="{FF2B5EF4-FFF2-40B4-BE49-F238E27FC236}">
-                <a16:creationId xmlns:a16="http://schemas.microsoft.com/office/drawing/2014/main" id="{81954045-F55D-60D6-E2FA-1134BD7F9570}"/>
+          <p:cNvPr id="96" name="Straight Connector 95">
+            <a:extLst>
+              <a:ext uri="{FF2B5EF4-FFF2-40B4-BE49-F238E27FC236}">
+                <a16:creationId xmlns:a16="http://schemas.microsoft.com/office/drawing/2014/main" id="{956F36ED-BB47-1969-A675-ED7155BDCF77}"/>
               </a:ext>
             </a:extLst>
           </p:cNvPr>
@@ -5437,7 +5588,7 @@
         </p:nvCxnSpPr>
         <p:spPr>
           <a:xfrm flipH="1">
-            <a:off x="11061364" y="5060698"/>
+            <a:off x="5968924" y="1405581"/>
             <a:ext cx="323657" cy="0"/>
           </a:xfrm>
           <a:prstGeom prst="line">
@@ -5466,10 +5617,10 @@
       </p:cxnSp>
       <p:cxnSp>
         <p:nvCxnSpPr>
-          <p:cNvPr id="84" name="Straight Connector 83">
-            <a:extLst>
-              <a:ext uri="{FF2B5EF4-FFF2-40B4-BE49-F238E27FC236}">
-                <a16:creationId xmlns:a16="http://schemas.microsoft.com/office/drawing/2014/main" id="{0EAB2DB0-62B1-EF01-5413-AF863844E20C}"/>
+          <p:cNvPr id="97" name="Straight Connector 96">
+            <a:extLst>
+              <a:ext uri="{FF2B5EF4-FFF2-40B4-BE49-F238E27FC236}">
+                <a16:creationId xmlns:a16="http://schemas.microsoft.com/office/drawing/2014/main" id="{9D08DAFC-8BD1-17D2-7F3D-8A36447FA666}"/>
               </a:ext>
             </a:extLst>
           </p:cNvPr>
@@ -5480,8 +5631,8 @@
         </p:nvCxnSpPr>
         <p:spPr>
           <a:xfrm flipH="1">
-            <a:off x="11359265" y="5060698"/>
-            <a:ext cx="561003" cy="0"/>
+            <a:off x="11816470" y="5835143"/>
+            <a:ext cx="323657" cy="0"/>
           </a:xfrm>
           <a:prstGeom prst="line">
             <a:avLst/>
@@ -5509,29 +5660,30 @@
       </p:cxnSp>
       <p:cxnSp>
         <p:nvCxnSpPr>
-          <p:cNvPr id="88" name="Straight Arrow Connector 87">
-            <a:extLst>
-              <a:ext uri="{FF2B5EF4-FFF2-40B4-BE49-F238E27FC236}">
-                <a16:creationId xmlns:a16="http://schemas.microsoft.com/office/drawing/2014/main" id="{3A68728D-D357-8F67-005F-6814051B59FB}"/>
-              </a:ext>
-            </a:extLst>
-          </p:cNvPr>
-          <p:cNvCxnSpPr/>
+          <p:cNvPr id="100" name="Straight Connector 99">
+            <a:extLst>
+              <a:ext uri="{FF2B5EF4-FFF2-40B4-BE49-F238E27FC236}">
+                <a16:creationId xmlns:a16="http://schemas.microsoft.com/office/drawing/2014/main" id="{6D3C85AE-D276-E482-CC99-D3F0A5F1CA7D}"/>
+              </a:ext>
+            </a:extLst>
+          </p:cNvPr>
+          <p:cNvCxnSpPr>
+            <a:cxnSpLocks/>
+          </p:cNvCxnSpPr>
           <p:nvPr/>
         </p:nvCxnSpPr>
         <p:spPr>
-          <a:xfrm>
-            <a:off x="5965931" y="3048688"/>
-            <a:ext cx="318895" cy="0"/>
-          </a:xfrm>
-          <a:prstGeom prst="straightConnector1">
+          <a:xfrm flipH="1">
+            <a:off x="316197" y="1397790"/>
+            <a:ext cx="323657" cy="0"/>
+          </a:xfrm>
+          <a:prstGeom prst="line">
             <a:avLst/>
           </a:prstGeom>
           <a:ln w="25400">
             <a:solidFill>
               <a:schemeClr val="tx1"/>
             </a:solidFill>
-            <a:tailEnd type="triangle"/>
           </a:ln>
         </p:spPr>
         <p:style>
@@ -5549,54 +5701,12 @@
           </a:fontRef>
         </p:style>
       </p:cxnSp>
-      <p:cxnSp>
-        <p:nvCxnSpPr>
-          <p:cNvPr id="89" name="Straight Arrow Connector 88">
-            <a:extLst>
-              <a:ext uri="{FF2B5EF4-FFF2-40B4-BE49-F238E27FC236}">
-                <a16:creationId xmlns:a16="http://schemas.microsoft.com/office/drawing/2014/main" id="{704E6425-96D3-0584-042C-18BC83F6F76B}"/>
-              </a:ext>
-            </a:extLst>
-          </p:cNvPr>
-          <p:cNvCxnSpPr/>
-          <p:nvPr/>
-        </p:nvCxnSpPr>
-        <p:spPr>
-          <a:xfrm>
-            <a:off x="6409281" y="5060698"/>
-            <a:ext cx="318895" cy="0"/>
-          </a:xfrm>
-          <a:prstGeom prst="straightConnector1">
-            <a:avLst/>
-          </a:prstGeom>
-          <a:ln w="25400">
-            <a:solidFill>
-              <a:schemeClr val="tx1"/>
-            </a:solidFill>
-            <a:tailEnd type="triangle"/>
-          </a:ln>
-        </p:spPr>
-        <p:style>
-          <a:lnRef idx="1">
-            <a:schemeClr val="accent1"/>
-          </a:lnRef>
-          <a:fillRef idx="0">
-            <a:schemeClr val="accent1"/>
-          </a:fillRef>
-          <a:effectRef idx="0">
-            <a:schemeClr val="accent1"/>
-          </a:effectRef>
-          <a:fontRef idx="minor">
-            <a:schemeClr val="tx1"/>
-          </a:fontRef>
-        </p:style>
-      </p:cxnSp>
-      <p:sp>
-        <p:nvSpPr>
-          <p:cNvPr id="90" name="TextBox 89">
-            <a:extLst>
-              <a:ext uri="{FF2B5EF4-FFF2-40B4-BE49-F238E27FC236}">
-                <a16:creationId xmlns:a16="http://schemas.microsoft.com/office/drawing/2014/main" id="{A1394568-F2BE-77F6-E7AA-EA7A4569CE17}"/>
+      <p:sp>
+        <p:nvSpPr>
+          <p:cNvPr id="101" name="TextBox 100">
+            <a:extLst>
+              <a:ext uri="{FF2B5EF4-FFF2-40B4-BE49-F238E27FC236}">
+                <a16:creationId xmlns:a16="http://schemas.microsoft.com/office/drawing/2014/main" id="{A90D8231-63A8-918E-BF4C-E7AF6BF3E6DB}"/>
               </a:ext>
             </a:extLst>
           </p:cNvPr>
@@ -5605,46 +5715,8 @@
         </p:nvSpPr>
         <p:spPr>
           <a:xfrm>
-            <a:off x="184195" y="634974"/>
+            <a:off x="11730745" y="5441212"/>
             <a:ext cx="682278" cy="461665"/>
-          </a:xfrm>
-          <a:prstGeom prst="rect">
-            <a:avLst/>
-          </a:prstGeom>
-          <a:noFill/>
-        </p:spPr>
-        <p:txBody>
-          <a:bodyPr wrap="square" rtlCol="0">
-            <a:spAutoFit/>
-          </a:bodyPr>
-          <a:lstStyle/>
-          <a:p>
-            <a:r>
-              <a:rPr lang="it-IT" sz="2400" b="1" dirty="0">
-                <a:latin typeface="Cambria" panose="02040503050406030204" pitchFamily="18" charset="0"/>
-                <a:ea typeface="Cambria" panose="02040503050406030204" pitchFamily="18" charset="0"/>
-              </a:rPr>
-              <a:t>…</a:t>
-            </a:r>
-          </a:p>
-        </p:txBody>
-      </p:sp>
-      <p:sp>
-        <p:nvSpPr>
-          <p:cNvPr id="91" name="TextBox 90">
-            <a:extLst>
-              <a:ext uri="{FF2B5EF4-FFF2-40B4-BE49-F238E27FC236}">
-                <a16:creationId xmlns:a16="http://schemas.microsoft.com/office/drawing/2014/main" id="{629299A2-8220-3F91-7E2D-5EDCD69329F5}"/>
-              </a:ext>
-            </a:extLst>
-          </p:cNvPr>
-          <p:cNvSpPr txBox="1"/>
-          <p:nvPr/>
-        </p:nvSpPr>
-        <p:spPr>
-          <a:xfrm>
-            <a:off x="11535589" y="4659489"/>
-            <a:ext cx="561003" cy="461665"/>
           </a:xfrm>
           <a:prstGeom prst="rect">
             <a:avLst/>

--- a/workflow.pptx
+++ b/workflow.pptx
@@ -3630,7 +3630,7 @@
         <p:spPr>
           <a:xfrm flipV="1">
             <a:off x="6565843" y="1407122"/>
-            <a:ext cx="0" cy="1398290"/>
+            <a:ext cx="0" cy="1417042"/>
           </a:xfrm>
           <a:prstGeom prst="line">
             <a:avLst/>
@@ -3672,7 +3672,7 @@
         </p:nvCxnSpPr>
         <p:spPr>
           <a:xfrm flipV="1">
-            <a:off x="3748167" y="2823690"/>
+            <a:off x="1443506" y="2796081"/>
             <a:ext cx="0" cy="999444"/>
           </a:xfrm>
           <a:prstGeom prst="line">
@@ -3714,9 +3714,9 @@
           <p:nvPr/>
         </p:nvCxnSpPr>
         <p:spPr>
-          <a:xfrm flipH="1">
-            <a:off x="3748167" y="2805412"/>
-            <a:ext cx="2817676" cy="0"/>
+          <a:xfrm flipH="1" flipV="1">
+            <a:off x="1443506" y="2805412"/>
+            <a:ext cx="5113006" cy="18752"/>
           </a:xfrm>
           <a:prstGeom prst="line">
             <a:avLst/>
@@ -3756,7 +3756,7 @@
         </p:nvCxnSpPr>
         <p:spPr>
           <a:xfrm>
-            <a:off x="6423374" y="3819439"/>
+            <a:off x="4109382" y="3803224"/>
             <a:ext cx="318895" cy="0"/>
           </a:xfrm>
           <a:prstGeom prst="straightConnector1">
@@ -3798,7 +3798,7 @@
         </p:nvSpPr>
         <p:spPr>
           <a:xfrm>
-            <a:off x="4091016" y="3147537"/>
+            <a:off x="1777024" y="3131322"/>
             <a:ext cx="7290316" cy="1343803"/>
           </a:xfrm>
           <a:prstGeom prst="rect">
@@ -3912,7 +3912,7 @@
         </p:nvSpPr>
         <p:spPr>
           <a:xfrm>
-            <a:off x="6742269" y="3537479"/>
+            <a:off x="4428277" y="3521264"/>
             <a:ext cx="2015021" cy="563920"/>
           </a:xfrm>
           <a:prstGeom prst="rect">
@@ -3992,7 +3992,7 @@
         </p:nvSpPr>
         <p:spPr>
           <a:xfrm>
-            <a:off x="9063842" y="3537479"/>
+            <a:off x="6749850" y="3521264"/>
             <a:ext cx="2015021" cy="563920"/>
           </a:xfrm>
           <a:prstGeom prst="rect">
@@ -4076,7 +4076,7 @@
         </p:nvCxnSpPr>
         <p:spPr>
           <a:xfrm>
-            <a:off x="8757290" y="3819439"/>
+            <a:off x="6443298" y="3803224"/>
             <a:ext cx="306552" cy="0"/>
           </a:xfrm>
           <a:prstGeom prst="straightConnector1">
@@ -4118,7 +4118,7 @@
         </p:nvSpPr>
         <p:spPr>
           <a:xfrm>
-            <a:off x="4388043" y="3537479"/>
+            <a:off x="2074051" y="3521264"/>
             <a:ext cx="2015021" cy="563920"/>
           </a:xfrm>
           <a:prstGeom prst="rect">
@@ -4181,7 +4181,7 @@
         </p:nvCxnSpPr>
         <p:spPr>
           <a:xfrm>
-            <a:off x="3748167" y="3823134"/>
+            <a:off x="1443506" y="3797588"/>
             <a:ext cx="318895" cy="0"/>
           </a:xfrm>
           <a:prstGeom prst="straightConnector1">
@@ -4225,7 +4225,7 @@
         </p:nvCxnSpPr>
         <p:spPr>
           <a:xfrm flipH="1">
-            <a:off x="11083431" y="3819439"/>
+            <a:off x="8769439" y="3803224"/>
             <a:ext cx="323657" cy="0"/>
           </a:xfrm>
           <a:prstGeom prst="line">
@@ -4268,7 +4268,7 @@
         </p:nvCxnSpPr>
         <p:spPr>
           <a:xfrm flipH="1">
-            <a:off x="11407088" y="3819439"/>
+            <a:off x="9093096" y="3803224"/>
             <a:ext cx="323657" cy="0"/>
           </a:xfrm>
           <a:prstGeom prst="line">
@@ -4311,8 +4311,8 @@
         </p:nvCxnSpPr>
         <p:spPr>
           <a:xfrm flipV="1">
-            <a:off x="11730745" y="3816616"/>
-            <a:ext cx="0" cy="1037253"/>
+            <a:off x="9416753" y="3800401"/>
+            <a:ext cx="0" cy="1063382"/>
           </a:xfrm>
           <a:prstGeom prst="line">
             <a:avLst/>
@@ -4396,9 +4396,9 @@
           <p:nvPr/>
         </p:nvCxnSpPr>
         <p:spPr>
-          <a:xfrm flipH="1" flipV="1">
-            <a:off x="4201972" y="4835700"/>
-            <a:ext cx="7528773" cy="18169"/>
+          <a:xfrm flipH="1">
+            <a:off x="4192641" y="4863783"/>
+            <a:ext cx="5224112" cy="0"/>
           </a:xfrm>
           <a:prstGeom prst="line">
             <a:avLst/>
@@ -4998,7 +4998,7 @@
         </p:nvCxnSpPr>
         <p:spPr>
           <a:xfrm>
-            <a:off x="6423136" y="3823134"/>
+            <a:off x="4109144" y="3806919"/>
             <a:ext cx="318895" cy="0"/>
           </a:xfrm>
           <a:prstGeom prst="straightConnector1">
@@ -5120,7 +5120,7 @@
         </p:nvCxnSpPr>
         <p:spPr>
           <a:xfrm flipH="1">
-            <a:off x="4091016" y="3816616"/>
+            <a:off x="1777024" y="3800401"/>
             <a:ext cx="297027" cy="0"/>
           </a:xfrm>
           <a:prstGeom prst="line">
